--- a/readings/4190_grammar.pptx
+++ b/readings/4190_grammar.pptx
@@ -5,7 +5,7 @@
     <p:sldMasterId id="2147483823" r:id="rId1"/>
   </p:sldMasterIdLst>
   <p:notesMasterIdLst>
-    <p:notesMasterId r:id="rId35"/>
+    <p:notesMasterId r:id="rId34"/>
   </p:notesMasterIdLst>
   <p:sldIdLst>
     <p:sldId id="256" r:id="rId2"/>
@@ -23,24 +23,23 @@
     <p:sldId id="301" r:id="rId14"/>
     <p:sldId id="311" r:id="rId15"/>
     <p:sldId id="303" r:id="rId16"/>
-    <p:sldId id="304" r:id="rId17"/>
-    <p:sldId id="305" r:id="rId18"/>
+    <p:sldId id="315" r:id="rId17"/>
+    <p:sldId id="304" r:id="rId18"/>
     <p:sldId id="306" r:id="rId19"/>
-    <p:sldId id="307" r:id="rId20"/>
-    <p:sldId id="308" r:id="rId21"/>
-    <p:sldId id="309" r:id="rId22"/>
-    <p:sldId id="310" r:id="rId23"/>
-    <p:sldId id="258" r:id="rId24"/>
-    <p:sldId id="281" r:id="rId25"/>
-    <p:sldId id="282" r:id="rId26"/>
-    <p:sldId id="260" r:id="rId27"/>
-    <p:sldId id="261" r:id="rId28"/>
-    <p:sldId id="283" r:id="rId29"/>
-    <p:sldId id="262" r:id="rId30"/>
-    <p:sldId id="266" r:id="rId31"/>
-    <p:sldId id="312" r:id="rId32"/>
-    <p:sldId id="313" r:id="rId33"/>
-    <p:sldId id="314" r:id="rId34"/>
+    <p:sldId id="316" r:id="rId20"/>
+    <p:sldId id="317" r:id="rId21"/>
+    <p:sldId id="318" r:id="rId22"/>
+    <p:sldId id="319" r:id="rId23"/>
+    <p:sldId id="321" r:id="rId24"/>
+    <p:sldId id="323" r:id="rId25"/>
+    <p:sldId id="324" r:id="rId26"/>
+    <p:sldId id="325" r:id="rId27"/>
+    <p:sldId id="307" r:id="rId28"/>
+    <p:sldId id="308" r:id="rId29"/>
+    <p:sldId id="309" r:id="rId30"/>
+    <p:sldId id="310" r:id="rId31"/>
+    <p:sldId id="314" r:id="rId32"/>
+    <p:sldId id="326" r:id="rId33"/>
   </p:sldIdLst>
   <p:sldSz cx="9144000" cy="6858000" type="screen4x3"/>
   <p:notesSz cx="6858000" cy="9144000"/>
@@ -663,7 +662,7 @@
       </p:grpSpPr>
       <p:sp>
         <p:nvSpPr>
-          <p:cNvPr id="25601" name="Rectangle 7"/>
+          <p:cNvPr id="27649" name="Rectangle 7"/>
           <p:cNvSpPr>
             <a:spLocks noGrp="1" noChangeArrowheads="1"/>
           </p:cNvSpPr>
@@ -805,10 +804,10 @@
             </a:lvl9pPr>
           </a:lstStyle>
           <a:p>
-            <a:fld id="{CD1C8FD1-C747-CF4F-9C3F-18A203FCDE70}" type="slidenum">
+            <a:fld id="{491257B9-9705-2644-AA4B-FA010BA3847A}" type="slidenum">
               <a:rPr lang="en-US" sz="1200"/>
               <a:pPr/>
-              <a:t>27</a:t>
+              <a:t>23</a:t>
             </a:fld>
             <a:endParaRPr lang="en-US" sz="1200"/>
           </a:p>
@@ -816,7 +815,7 @@
       </p:sp>
       <p:sp>
         <p:nvSpPr>
-          <p:cNvPr id="25602" name="Rectangle 2"/>
+          <p:cNvPr id="27650" name="Rectangle 2"/>
           <p:cNvSpPr>
             <a:spLocks noGrp="1" noRot="1" noChangeAspect="1" noChangeArrowheads="1" noTextEdit="1"/>
           </p:cNvSpPr>
@@ -830,7 +829,7 @@
       </p:sp>
       <p:sp>
         <p:nvSpPr>
-          <p:cNvPr id="25603" name="Rectangle 3"/>
+          <p:cNvPr id="27651" name="Rectangle 3"/>
           <p:cNvSpPr>
             <a:spLocks noGrp="1" noChangeArrowheads="1"/>
           </p:cNvSpPr>
@@ -900,7 +899,7 @@
       </p:grpSpPr>
       <p:sp>
         <p:nvSpPr>
-          <p:cNvPr id="27649" name="Rectangle 7"/>
+          <p:cNvPr id="31745" name="Rectangle 7"/>
           <p:cNvSpPr>
             <a:spLocks noGrp="1" noChangeArrowheads="1"/>
           </p:cNvSpPr>
@@ -1042,484 +1041,10 @@
             </a:lvl9pPr>
           </a:lstStyle>
           <a:p>
-            <a:fld id="{491257B9-9705-2644-AA4B-FA010BA3847A}" type="slidenum">
-              <a:rPr lang="en-US" sz="1200"/>
-              <a:pPr/>
-              <a:t>28</a:t>
-            </a:fld>
-            <a:endParaRPr lang="en-US" sz="1200"/>
-          </a:p>
-        </p:txBody>
-      </p:sp>
-      <p:sp>
-        <p:nvSpPr>
-          <p:cNvPr id="27650" name="Rectangle 2"/>
-          <p:cNvSpPr>
-            <a:spLocks noGrp="1" noRot="1" noChangeAspect="1" noChangeArrowheads="1" noTextEdit="1"/>
-          </p:cNvSpPr>
-          <p:nvPr>
-            <p:ph type="sldImg"/>
-          </p:nvPr>
-        </p:nvSpPr>
-        <p:spPr>
-          <a:ln/>
-        </p:spPr>
-      </p:sp>
-      <p:sp>
-        <p:nvSpPr>
-          <p:cNvPr id="27651" name="Rectangle 3"/>
-          <p:cNvSpPr>
-            <a:spLocks noGrp="1" noChangeArrowheads="1"/>
-          </p:cNvSpPr>
-          <p:nvPr>
-            <p:ph type="body" idx="1"/>
-          </p:nvPr>
-        </p:nvSpPr>
-        <p:spPr>
-          <a:noFill/>
-          <a:ln/>
-          <a:extLst>
-            <a:ext uri="{909E8E84-426E-40dd-AFC4-6F175D3DCCD1}">
-              <a14:hiddenFill xmlns:a14="http://schemas.microsoft.com/office/drawing/2010/main">
-                <a:solidFill>
-                  <a:srgbClr val="FFFFFF"/>
-                </a:solidFill>
-              </a14:hiddenFill>
-            </a:ext>
-            <a:ext uri="{91240B29-F687-4f45-9708-019B960494DF}">
-              <a14:hiddenLine xmlns:a14="http://schemas.microsoft.com/office/drawing/2010/main" w="9525">
-                <a:solidFill>
-                  <a:srgbClr val="000000"/>
-                </a:solidFill>
-                <a:miter lim="800000"/>
-                <a:headEnd/>
-                <a:tailEnd/>
-              </a14:hiddenLine>
-            </a:ext>
-          </a:extLst>
-        </p:spPr>
-        <p:txBody>
-          <a:bodyPr/>
-          <a:lstStyle/>
-          <a:p>
-            <a:pPr eaLnBrk="1" hangingPunct="1"/>
-            <a:r>
-              <a:rPr lang="en-US"/>
-              <a:t>http://aliscot.com/bigdog/misplaced.htm</a:t>
-            </a:r>
-          </a:p>
-        </p:txBody>
-      </p:sp>
-    </p:spTree>
-  </p:cSld>
-  <p:clrMapOvr>
-    <a:masterClrMapping/>
-  </p:clrMapOvr>
-</p:notes>
-</file>
-
-<file path=ppt/notesSlides/notesSlide3.xml><?xml version="1.0" encoding="utf-8"?>
-<p:notes xmlns:a="http://schemas.openxmlformats.org/drawingml/2006/main" xmlns:r="http://schemas.openxmlformats.org/officeDocument/2006/relationships" xmlns:p="http://schemas.openxmlformats.org/presentationml/2006/main">
-  <p:cSld>
-    <p:spTree>
-      <p:nvGrpSpPr>
-        <p:cNvPr id="1" name=""/>
-        <p:cNvGrpSpPr/>
-        <p:nvPr/>
-      </p:nvGrpSpPr>
-      <p:grpSpPr>
-        <a:xfrm>
-          <a:off x="0" y="0"/>
-          <a:ext cx="0" cy="0"/>
-          <a:chOff x="0" y="0"/>
-          <a:chExt cx="0" cy="0"/>
-        </a:xfrm>
-      </p:grpSpPr>
-      <p:sp>
-        <p:nvSpPr>
-          <p:cNvPr id="29697" name="Rectangle 7"/>
-          <p:cNvSpPr>
-            <a:spLocks noGrp="1" noChangeArrowheads="1"/>
-          </p:cNvSpPr>
-          <p:nvPr>
-            <p:ph type="sldNum" sz="quarter" idx="5"/>
-          </p:nvPr>
-        </p:nvSpPr>
-        <p:spPr>
-          <a:noFill/>
-          <a:ln/>
-          <a:extLst>
-            <a:ext uri="{909E8E84-426E-40dd-AFC4-6F175D3DCCD1}">
-              <a14:hiddenFill xmlns:a14="http://schemas.microsoft.com/office/drawing/2010/main">
-                <a:solidFill>
-                  <a:srgbClr val="FFFFFF"/>
-                </a:solidFill>
-              </a14:hiddenFill>
-            </a:ext>
-            <a:ext uri="{91240B29-F687-4f45-9708-019B960494DF}">
-              <a14:hiddenLine xmlns:a14="http://schemas.microsoft.com/office/drawing/2010/main" w="9525">
-                <a:solidFill>
-                  <a:srgbClr val="000000"/>
-                </a:solidFill>
-                <a:miter lim="800000"/>
-                <a:headEnd/>
-                <a:tailEnd/>
-              </a14:hiddenLine>
-            </a:ext>
-          </a:extLst>
-        </p:spPr>
-        <p:txBody>
-          <a:bodyPr/>
-          <a:lstStyle>
-            <a:lvl1pPr>
-              <a:defRPr sz="2400">
-                <a:solidFill>
-                  <a:schemeClr val="tx1"/>
-                </a:solidFill>
-                <a:latin typeface="Arial" charset="0"/>
-                <a:ea typeface="ＭＳ Ｐゴシック" charset="0"/>
-                <a:cs typeface="ＭＳ Ｐゴシック" charset="0"/>
-              </a:defRPr>
-            </a:lvl1pPr>
-            <a:lvl2pPr marL="742950" indent="-285750">
-              <a:defRPr sz="2400">
-                <a:solidFill>
-                  <a:schemeClr val="tx1"/>
-                </a:solidFill>
-                <a:latin typeface="Arial" charset="0"/>
-                <a:ea typeface="ＭＳ Ｐゴシック" charset="0"/>
-              </a:defRPr>
-            </a:lvl2pPr>
-            <a:lvl3pPr marL="1143000" indent="-228600">
-              <a:defRPr sz="2400">
-                <a:solidFill>
-                  <a:schemeClr val="tx1"/>
-                </a:solidFill>
-                <a:latin typeface="Arial" charset="0"/>
-                <a:ea typeface="ＭＳ Ｐゴシック" charset="0"/>
-              </a:defRPr>
-            </a:lvl3pPr>
-            <a:lvl4pPr marL="1600200" indent="-228600">
-              <a:defRPr sz="2400">
-                <a:solidFill>
-                  <a:schemeClr val="tx1"/>
-                </a:solidFill>
-                <a:latin typeface="Arial" charset="0"/>
-                <a:ea typeface="ＭＳ Ｐゴシック" charset="0"/>
-              </a:defRPr>
-            </a:lvl4pPr>
-            <a:lvl5pPr marL="2057400" indent="-228600">
-              <a:defRPr sz="2400">
-                <a:solidFill>
-                  <a:schemeClr val="tx1"/>
-                </a:solidFill>
-                <a:latin typeface="Arial" charset="0"/>
-                <a:ea typeface="ＭＳ Ｐゴシック" charset="0"/>
-              </a:defRPr>
-            </a:lvl5pPr>
-            <a:lvl6pPr marL="2514600" indent="-228600" eaLnBrk="0" fontAlgn="base" hangingPunct="0">
-              <a:spcBef>
-                <a:spcPct val="0"/>
-              </a:spcBef>
-              <a:spcAft>
-                <a:spcPct val="0"/>
-              </a:spcAft>
-              <a:defRPr sz="2400">
-                <a:solidFill>
-                  <a:schemeClr val="tx1"/>
-                </a:solidFill>
-                <a:latin typeface="Arial" charset="0"/>
-                <a:ea typeface="ＭＳ Ｐゴシック" charset="0"/>
-              </a:defRPr>
-            </a:lvl6pPr>
-            <a:lvl7pPr marL="2971800" indent="-228600" eaLnBrk="0" fontAlgn="base" hangingPunct="0">
-              <a:spcBef>
-                <a:spcPct val="0"/>
-              </a:spcBef>
-              <a:spcAft>
-                <a:spcPct val="0"/>
-              </a:spcAft>
-              <a:defRPr sz="2400">
-                <a:solidFill>
-                  <a:schemeClr val="tx1"/>
-                </a:solidFill>
-                <a:latin typeface="Arial" charset="0"/>
-                <a:ea typeface="ＭＳ Ｐゴシック" charset="0"/>
-              </a:defRPr>
-            </a:lvl7pPr>
-            <a:lvl8pPr marL="3429000" indent="-228600" eaLnBrk="0" fontAlgn="base" hangingPunct="0">
-              <a:spcBef>
-                <a:spcPct val="0"/>
-              </a:spcBef>
-              <a:spcAft>
-                <a:spcPct val="0"/>
-              </a:spcAft>
-              <a:defRPr sz="2400">
-                <a:solidFill>
-                  <a:schemeClr val="tx1"/>
-                </a:solidFill>
-                <a:latin typeface="Arial" charset="0"/>
-                <a:ea typeface="ＭＳ Ｐゴシック" charset="0"/>
-              </a:defRPr>
-            </a:lvl8pPr>
-            <a:lvl9pPr marL="3886200" indent="-228600" eaLnBrk="0" fontAlgn="base" hangingPunct="0">
-              <a:spcBef>
-                <a:spcPct val="0"/>
-              </a:spcBef>
-              <a:spcAft>
-                <a:spcPct val="0"/>
-              </a:spcAft>
-              <a:defRPr sz="2400">
-                <a:solidFill>
-                  <a:schemeClr val="tx1"/>
-                </a:solidFill>
-                <a:latin typeface="Arial" charset="0"/>
-                <a:ea typeface="ＭＳ Ｐゴシック" charset="0"/>
-              </a:defRPr>
-            </a:lvl9pPr>
-          </a:lstStyle>
-          <a:p>
-            <a:fld id="{500E4083-09E9-4E42-84D2-8F691BA15954}" type="slidenum">
-              <a:rPr lang="en-US" sz="1200"/>
-              <a:pPr/>
-              <a:t>29</a:t>
-            </a:fld>
-            <a:endParaRPr lang="en-US" sz="1200"/>
-          </a:p>
-        </p:txBody>
-      </p:sp>
-      <p:sp>
-        <p:nvSpPr>
-          <p:cNvPr id="29698" name="Rectangle 2"/>
-          <p:cNvSpPr>
-            <a:spLocks noGrp="1" noRot="1" noChangeAspect="1" noChangeArrowheads="1" noTextEdit="1"/>
-          </p:cNvSpPr>
-          <p:nvPr>
-            <p:ph type="sldImg"/>
-          </p:nvPr>
-        </p:nvSpPr>
-        <p:spPr>
-          <a:ln/>
-        </p:spPr>
-      </p:sp>
-      <p:sp>
-        <p:nvSpPr>
-          <p:cNvPr id="29699" name="Rectangle 3"/>
-          <p:cNvSpPr>
-            <a:spLocks noGrp="1" noChangeArrowheads="1"/>
-          </p:cNvSpPr>
-          <p:nvPr>
-            <p:ph type="body" idx="1"/>
-          </p:nvPr>
-        </p:nvSpPr>
-        <p:spPr>
-          <a:noFill/>
-          <a:ln/>
-          <a:extLst>
-            <a:ext uri="{909E8E84-426E-40dd-AFC4-6F175D3DCCD1}">
-              <a14:hiddenFill xmlns:a14="http://schemas.microsoft.com/office/drawing/2010/main">
-                <a:solidFill>
-                  <a:srgbClr val="FFFFFF"/>
-                </a:solidFill>
-              </a14:hiddenFill>
-            </a:ext>
-            <a:ext uri="{91240B29-F687-4f45-9708-019B960494DF}">
-              <a14:hiddenLine xmlns:a14="http://schemas.microsoft.com/office/drawing/2010/main" w="9525">
-                <a:solidFill>
-                  <a:srgbClr val="000000"/>
-                </a:solidFill>
-                <a:miter lim="800000"/>
-                <a:headEnd/>
-                <a:tailEnd/>
-              </a14:hiddenLine>
-            </a:ext>
-          </a:extLst>
-        </p:spPr>
-        <p:txBody>
-          <a:bodyPr/>
-          <a:lstStyle/>
-          <a:p>
-            <a:pPr eaLnBrk="1" hangingPunct="1"/>
-            <a:r>
-              <a:rPr lang="en-US"/>
-              <a:t>http://grammar.quickanddirtytips.com/misplaced-modifiers.aspx</a:t>
-            </a:r>
-          </a:p>
-        </p:txBody>
-      </p:sp>
-    </p:spTree>
-  </p:cSld>
-  <p:clrMapOvr>
-    <a:masterClrMapping/>
-  </p:clrMapOvr>
-</p:notes>
-</file>
-
-<file path=ppt/notesSlides/notesSlide4.xml><?xml version="1.0" encoding="utf-8"?>
-<p:notes xmlns:a="http://schemas.openxmlformats.org/drawingml/2006/main" xmlns:r="http://schemas.openxmlformats.org/officeDocument/2006/relationships" xmlns:p="http://schemas.openxmlformats.org/presentationml/2006/main">
-  <p:cSld>
-    <p:spTree>
-      <p:nvGrpSpPr>
-        <p:cNvPr id="1" name=""/>
-        <p:cNvGrpSpPr/>
-        <p:nvPr/>
-      </p:nvGrpSpPr>
-      <p:grpSpPr>
-        <a:xfrm>
-          <a:off x="0" y="0"/>
-          <a:ext cx="0" cy="0"/>
-          <a:chOff x="0" y="0"/>
-          <a:chExt cx="0" cy="0"/>
-        </a:xfrm>
-      </p:grpSpPr>
-      <p:sp>
-        <p:nvSpPr>
-          <p:cNvPr id="31745" name="Rectangle 7"/>
-          <p:cNvSpPr>
-            <a:spLocks noGrp="1" noChangeArrowheads="1"/>
-          </p:cNvSpPr>
-          <p:nvPr>
-            <p:ph type="sldNum" sz="quarter" idx="5"/>
-          </p:nvPr>
-        </p:nvSpPr>
-        <p:spPr>
-          <a:noFill/>
-          <a:ln/>
-          <a:extLst>
-            <a:ext uri="{909E8E84-426E-40dd-AFC4-6F175D3DCCD1}">
-              <a14:hiddenFill xmlns:a14="http://schemas.microsoft.com/office/drawing/2010/main">
-                <a:solidFill>
-                  <a:srgbClr val="FFFFFF"/>
-                </a:solidFill>
-              </a14:hiddenFill>
-            </a:ext>
-            <a:ext uri="{91240B29-F687-4f45-9708-019B960494DF}">
-              <a14:hiddenLine xmlns:a14="http://schemas.microsoft.com/office/drawing/2010/main" w="9525">
-                <a:solidFill>
-                  <a:srgbClr val="000000"/>
-                </a:solidFill>
-                <a:miter lim="800000"/>
-                <a:headEnd/>
-                <a:tailEnd/>
-              </a14:hiddenLine>
-            </a:ext>
-          </a:extLst>
-        </p:spPr>
-        <p:txBody>
-          <a:bodyPr/>
-          <a:lstStyle>
-            <a:lvl1pPr>
-              <a:defRPr sz="2400">
-                <a:solidFill>
-                  <a:schemeClr val="tx1"/>
-                </a:solidFill>
-                <a:latin typeface="Arial" charset="0"/>
-                <a:ea typeface="ＭＳ Ｐゴシック" charset="0"/>
-                <a:cs typeface="ＭＳ Ｐゴシック" charset="0"/>
-              </a:defRPr>
-            </a:lvl1pPr>
-            <a:lvl2pPr marL="742950" indent="-285750">
-              <a:defRPr sz="2400">
-                <a:solidFill>
-                  <a:schemeClr val="tx1"/>
-                </a:solidFill>
-                <a:latin typeface="Arial" charset="0"/>
-                <a:ea typeface="ＭＳ Ｐゴシック" charset="0"/>
-              </a:defRPr>
-            </a:lvl2pPr>
-            <a:lvl3pPr marL="1143000" indent="-228600">
-              <a:defRPr sz="2400">
-                <a:solidFill>
-                  <a:schemeClr val="tx1"/>
-                </a:solidFill>
-                <a:latin typeface="Arial" charset="0"/>
-                <a:ea typeface="ＭＳ Ｐゴシック" charset="0"/>
-              </a:defRPr>
-            </a:lvl3pPr>
-            <a:lvl4pPr marL="1600200" indent="-228600">
-              <a:defRPr sz="2400">
-                <a:solidFill>
-                  <a:schemeClr val="tx1"/>
-                </a:solidFill>
-                <a:latin typeface="Arial" charset="0"/>
-                <a:ea typeface="ＭＳ Ｐゴシック" charset="0"/>
-              </a:defRPr>
-            </a:lvl4pPr>
-            <a:lvl5pPr marL="2057400" indent="-228600">
-              <a:defRPr sz="2400">
-                <a:solidFill>
-                  <a:schemeClr val="tx1"/>
-                </a:solidFill>
-                <a:latin typeface="Arial" charset="0"/>
-                <a:ea typeface="ＭＳ Ｐゴシック" charset="0"/>
-              </a:defRPr>
-            </a:lvl5pPr>
-            <a:lvl6pPr marL="2514600" indent="-228600" eaLnBrk="0" fontAlgn="base" hangingPunct="0">
-              <a:spcBef>
-                <a:spcPct val="0"/>
-              </a:spcBef>
-              <a:spcAft>
-                <a:spcPct val="0"/>
-              </a:spcAft>
-              <a:defRPr sz="2400">
-                <a:solidFill>
-                  <a:schemeClr val="tx1"/>
-                </a:solidFill>
-                <a:latin typeface="Arial" charset="0"/>
-                <a:ea typeface="ＭＳ Ｐゴシック" charset="0"/>
-              </a:defRPr>
-            </a:lvl6pPr>
-            <a:lvl7pPr marL="2971800" indent="-228600" eaLnBrk="0" fontAlgn="base" hangingPunct="0">
-              <a:spcBef>
-                <a:spcPct val="0"/>
-              </a:spcBef>
-              <a:spcAft>
-                <a:spcPct val="0"/>
-              </a:spcAft>
-              <a:defRPr sz="2400">
-                <a:solidFill>
-                  <a:schemeClr val="tx1"/>
-                </a:solidFill>
-                <a:latin typeface="Arial" charset="0"/>
-                <a:ea typeface="ＭＳ Ｐゴシック" charset="0"/>
-              </a:defRPr>
-            </a:lvl7pPr>
-            <a:lvl8pPr marL="3429000" indent="-228600" eaLnBrk="0" fontAlgn="base" hangingPunct="0">
-              <a:spcBef>
-                <a:spcPct val="0"/>
-              </a:spcBef>
-              <a:spcAft>
-                <a:spcPct val="0"/>
-              </a:spcAft>
-              <a:defRPr sz="2400">
-                <a:solidFill>
-                  <a:schemeClr val="tx1"/>
-                </a:solidFill>
-                <a:latin typeface="Arial" charset="0"/>
-                <a:ea typeface="ＭＳ Ｐゴシック" charset="0"/>
-              </a:defRPr>
-            </a:lvl8pPr>
-            <a:lvl9pPr marL="3886200" indent="-228600" eaLnBrk="0" fontAlgn="base" hangingPunct="0">
-              <a:spcBef>
-                <a:spcPct val="0"/>
-              </a:spcBef>
-              <a:spcAft>
-                <a:spcPct val="0"/>
-              </a:spcAft>
-              <a:defRPr sz="2400">
-                <a:solidFill>
-                  <a:schemeClr val="tx1"/>
-                </a:solidFill>
-                <a:latin typeface="Arial" charset="0"/>
-                <a:ea typeface="ＭＳ Ｐゴシック" charset="0"/>
-              </a:defRPr>
-            </a:lvl9pPr>
-          </a:lstStyle>
-          <a:p>
             <a:fld id="{F34688A6-28C3-C04F-94F0-42722825FB90}" type="slidenum">
               <a:rPr lang="en-US" sz="1200"/>
               <a:pPr/>
-              <a:t>30</a:t>
+              <a:t>24</a:t>
             </a:fld>
             <a:endParaRPr lang="en-US" sz="1200"/>
           </a:p>
@@ -9352,7 +8877,11 @@
           <a:p>
             <a:r>
               <a:rPr lang="en-US" dirty="0" smtClean="0"/>
-              <a:t>Transitive, intransitive, linking, or to be</a:t>
+              <a:t>Four types of verbs: Transitive</a:t>
+            </a:r>
+            <a:r>
+              <a:rPr lang="en-US" dirty="0" smtClean="0"/>
+              <a:t>, intransitive, linking, or to be</a:t>
             </a:r>
           </a:p>
         </p:txBody>
@@ -9448,8 +8977,28 @@
             </a:r>
             <a:r>
               <a:rPr lang="en-US" dirty="0" smtClean="0"/>
-              <a:t> performance enhancing drugs.</a:t>
-            </a:r>
+              <a:t> performance enhancing drugs</a:t>
+            </a:r>
+            <a:r>
+              <a:rPr lang="en-US" dirty="0" smtClean="0"/>
+              <a:t>.</a:t>
+            </a:r>
+          </a:p>
+          <a:p>
+            <a:pPr lvl="1"/>
+            <a:r>
+              <a:rPr lang="en-US" dirty="0" smtClean="0"/>
+              <a:t>John </a:t>
+            </a:r>
+            <a:r>
+              <a:rPr lang="en-US" u="sng" dirty="0" smtClean="0"/>
+              <a:t>kicked</a:t>
+            </a:r>
+            <a:r>
+              <a:rPr lang="en-US" dirty="0" smtClean="0"/>
+              <a:t> the ball.</a:t>
+            </a:r>
+            <a:endParaRPr lang="en-US" dirty="0" smtClean="0"/>
           </a:p>
           <a:p>
             <a:pPr marL="350838" lvl="1" indent="0">
@@ -9549,16 +9098,41 @@
             <a:pPr lvl="1"/>
             <a:r>
               <a:rPr lang="en-US" dirty="0" smtClean="0"/>
-              <a:t>His computer crashed on Sunday after 5:00pm. </a:t>
-            </a:r>
+              <a:t>His computer crashed </a:t>
+            </a:r>
+            <a:r>
+              <a:rPr lang="en-US" u="sng" dirty="0" smtClean="0"/>
+              <a:t>on Sunday after 5:</a:t>
+            </a:r>
+            <a:r>
+              <a:rPr lang="en-US" u="sng" dirty="0" smtClean="0"/>
+              <a:t>00pm</a:t>
+            </a:r>
+            <a:r>
+              <a:rPr lang="en-US" dirty="0"/>
+              <a:t> </a:t>
+            </a:r>
+            <a:r>
+              <a:rPr lang="en-US" dirty="0" smtClean="0"/>
+              <a:t>(prepositional phrase; adverbial)</a:t>
+            </a:r>
+            <a:endParaRPr lang="en-US" dirty="0" smtClean="0"/>
           </a:p>
           <a:p>
             <a:pPr lvl="1"/>
             <a:r>
               <a:rPr lang="en-US" dirty="0" smtClean="0"/>
-              <a:t>His computer crashed suddenly.</a:t>
-            </a:r>
-            <a:endParaRPr lang="en-US" dirty="0"/>
+              <a:t>His computer crashed </a:t>
+            </a:r>
+            <a:r>
+              <a:rPr lang="en-US" u="sng" dirty="0" smtClean="0"/>
+              <a:t>suddenly (</a:t>
+            </a:r>
+            <a:r>
+              <a:rPr lang="en-US" dirty="0" smtClean="0"/>
+              <a:t>adverb; adverbial)</a:t>
+            </a:r>
+            <a:endParaRPr lang="en-US" u="sng" dirty="0"/>
           </a:p>
         </p:txBody>
       </p:sp>
@@ -9756,7 +9330,7 @@
           <a:p>
             <a:r>
               <a:rPr lang="en-US" dirty="0" smtClean="0"/>
-              <a:t>Modifiers</a:t>
+              <a:t>Function of Modifiers</a:t>
             </a:r>
             <a:endParaRPr lang="en-US" dirty="0"/>
           </a:p>
@@ -9774,27 +9348,62 @@
         </p:nvSpPr>
         <p:spPr/>
         <p:txBody>
-          <a:bodyPr/>
+          <a:bodyPr>
+            <a:normAutofit/>
+          </a:bodyPr>
           <a:lstStyle/>
           <a:p>
             <a:r>
               <a:rPr lang="en-US" dirty="0" smtClean="0"/>
-              <a:t>Modifying phrase= phrase that functions as an adjective or adverb</a:t>
-            </a:r>
+              <a:t>Modifiers have a distinct </a:t>
+            </a:r>
+            <a:r>
+              <a:rPr lang="en-US" b="1" dirty="0" smtClean="0"/>
+              <a:t>function</a:t>
+            </a:r>
+            <a:r>
+              <a:rPr lang="en-US" dirty="0" smtClean="0"/>
+              <a:t> and a distinct </a:t>
+            </a:r>
+            <a:r>
+              <a:rPr lang="en-US" b="1" dirty="0" smtClean="0"/>
+              <a:t>identity</a:t>
+            </a:r>
+          </a:p>
+          <a:p>
+            <a:r>
+              <a:rPr lang="en-US" dirty="0" smtClean="0"/>
+              <a:t>Modifiers can modify nouns (adjectival) or verbs (adverbial)</a:t>
+            </a:r>
+            <a:endParaRPr lang="en-US" dirty="0"/>
           </a:p>
           <a:p>
             <a:pPr lvl="1"/>
             <a:r>
-              <a:rPr lang="en-US" dirty="0" smtClean="0"/>
-              <a:t>Called “adverbial” or “adjectival”</a:t>
-            </a:r>
-          </a:p>
-          <a:p>
-            <a:r>
-              <a:rPr lang="en-US" dirty="0" smtClean="0"/>
-              <a:t>These phrases can be prepositional phrases, noun phrases, infinitive phrases, participial phrases, and appositive phrases</a:t>
-            </a:r>
-            <a:endParaRPr lang="en-US" dirty="0"/>
+              <a:rPr lang="en-US" b="1" dirty="0" smtClean="0"/>
+              <a:t>Function</a:t>
+            </a:r>
+            <a:r>
+              <a:rPr lang="en-US" dirty="0" smtClean="0"/>
+              <a:t> as “</a:t>
+            </a:r>
+            <a:r>
+              <a:rPr lang="en-US" dirty="0" smtClean="0"/>
+              <a:t>adverbial</a:t>
+            </a:r>
+            <a:r>
+              <a:rPr lang="en-US" dirty="0" smtClean="0"/>
+              <a:t>”, “</a:t>
+            </a:r>
+            <a:r>
+              <a:rPr lang="en-US" dirty="0" smtClean="0"/>
+              <a:t>adjectival</a:t>
+            </a:r>
+            <a:r>
+              <a:rPr lang="en-US" dirty="0" smtClean="0"/>
+              <a:t>”, or “direct object”</a:t>
+            </a:r>
+            <a:endParaRPr lang="en-US" dirty="0" smtClean="0"/>
           </a:p>
         </p:txBody>
       </p:sp>
@@ -9840,50 +9449,115 @@
         </p:nvSpPr>
         <p:spPr/>
         <p:txBody>
+          <a:bodyPr/>
+          <a:lstStyle/>
+          <a:p>
+            <a:r>
+              <a:rPr lang="en-US" dirty="0" smtClean="0"/>
+              <a:t>Identity of Modifiers</a:t>
+            </a:r>
+            <a:endParaRPr lang="en-US" dirty="0"/>
+          </a:p>
+        </p:txBody>
+      </p:sp>
+      <p:sp>
+        <p:nvSpPr>
+          <p:cNvPr id="3" name="Content Placeholder 2"/>
+          <p:cNvSpPr>
+            <a:spLocks noGrp="1"/>
+          </p:cNvSpPr>
+          <p:nvPr>
+            <p:ph idx="1"/>
+          </p:nvPr>
+        </p:nvSpPr>
+        <p:spPr>
+          <a:xfrm>
+            <a:off x="762000" y="1828800"/>
+            <a:ext cx="7483475" cy="4236721"/>
+          </a:xfrm>
+        </p:spPr>
+        <p:txBody>
           <a:bodyPr>
-            <a:normAutofit fontScale="90000"/>
+            <a:normAutofit fontScale="77500" lnSpcReduction="20000"/>
           </a:bodyPr>
           <a:lstStyle/>
           <a:p>
             <a:r>
-              <a:rPr lang="en-US" dirty="0" smtClean="0"/>
-              <a:t>Modifiers and their functions</a:t>
-            </a:r>
-            <a:endParaRPr lang="en-US" dirty="0"/>
-          </a:p>
-        </p:txBody>
-      </p:sp>
-      <p:sp>
-        <p:nvSpPr>
-          <p:cNvPr id="3" name="Content Placeholder 2"/>
-          <p:cNvSpPr>
-            <a:spLocks noGrp="1"/>
-          </p:cNvSpPr>
-          <p:nvPr>
-            <p:ph idx="1"/>
-          </p:nvPr>
-        </p:nvSpPr>
-        <p:spPr/>
-        <p:txBody>
-          <a:bodyPr/>
-          <a:lstStyle/>
-          <a:p>
-            <a:pPr marL="0" indent="0">
-              <a:buNone/>
-            </a:pPr>
-            <a:r>
-              <a:rPr lang="en-US" dirty="0" smtClean="0"/>
-              <a:t>Identify the phrase type (preposition, noun, etc.) and then identify the phrases function (adverbial, adjectival, or direct object)</a:t>
-            </a:r>
-          </a:p>
-          <a:p>
-            <a:r>
-              <a:rPr lang="en-US" dirty="0" smtClean="0"/>
-              <a:t>The car received its </a:t>
+              <a:rPr lang="en-US" b="1" dirty="0" smtClean="0"/>
+              <a:t>Prepositional phrase </a:t>
+            </a:r>
+            <a:r>
+              <a:rPr lang="en-US" dirty="0" smtClean="0"/>
+              <a:t>– Begins with a preposition (i.e., words that typically describe time/space)</a:t>
+            </a:r>
+          </a:p>
+          <a:p>
+            <a:pPr lvl="1"/>
+            <a:r>
+              <a:rPr lang="en-US" dirty="0" smtClean="0"/>
+              <a:t>John walked </a:t>
             </a:r>
             <a:r>
               <a:rPr lang="en-US" u="sng" dirty="0" smtClean="0"/>
-              <a:t>emissions certification</a:t>
+              <a:t>on the beach </a:t>
+            </a:r>
+            <a:r>
+              <a:rPr lang="en-US" dirty="0" smtClean="0"/>
+              <a:t>yesterday.</a:t>
+            </a:r>
+          </a:p>
+          <a:p>
+            <a:r>
+              <a:rPr lang="en-US" b="1" dirty="0" smtClean="0"/>
+              <a:t>Noun phrase </a:t>
+            </a:r>
+            <a:r>
+              <a:rPr lang="en-US" dirty="0" smtClean="0"/>
+              <a:t>– Any phrase ending in a noun</a:t>
+            </a:r>
+          </a:p>
+          <a:p>
+            <a:pPr lvl="1"/>
+            <a:r>
+              <a:rPr lang="en-US" dirty="0" smtClean="0"/>
+              <a:t>Jessica called </a:t>
+            </a:r>
+            <a:r>
+              <a:rPr lang="en-US" u="sng" dirty="0" smtClean="0"/>
+              <a:t>the doctor</a:t>
+            </a:r>
+            <a:r>
+              <a:rPr lang="en-US" dirty="0" smtClean="0"/>
+              <a:t>.</a:t>
+            </a:r>
+          </a:p>
+          <a:p>
+            <a:r>
+              <a:rPr lang="en-US" b="1" dirty="0" smtClean="0"/>
+              <a:t>Participial phrase </a:t>
+            </a:r>
+            <a:r>
+              <a:rPr lang="en-US" dirty="0" smtClean="0"/>
+              <a:t>– Begins with a </a:t>
+            </a:r>
+            <a:r>
+              <a:rPr lang="en-US" dirty="0" err="1" smtClean="0"/>
+              <a:t>participal</a:t>
+            </a:r>
+            <a:r>
+              <a:rPr lang="en-US" dirty="0" smtClean="0"/>
+              <a:t> (word formed from a verb, except for gerunds). </a:t>
+            </a:r>
+          </a:p>
+          <a:p>
+            <a:pPr lvl="1"/>
+            <a:r>
+              <a:rPr lang="en-US" dirty="0" smtClean="0"/>
+              <a:t>Joan wanted to leave the car </a:t>
+            </a:r>
+            <a:r>
+              <a:rPr lang="en-US" u="sng" dirty="0" smtClean="0"/>
+              <a:t>running</a:t>
             </a:r>
             <a:r>
               <a:rPr lang="en-US" dirty="0" smtClean="0"/>
@@ -9892,52 +9566,64 @@
           </a:p>
           <a:p>
             <a:r>
-              <a:rPr lang="en-US" dirty="0" smtClean="0"/>
-              <a:t>The car, </a:t>
+              <a:rPr lang="en-US" b="1" dirty="0" smtClean="0"/>
+              <a:t>Infinitive</a:t>
+            </a:r>
+            <a:r>
+              <a:rPr lang="en-US" dirty="0" smtClean="0"/>
+              <a:t> – “to” form of a verb</a:t>
+            </a:r>
+          </a:p>
+          <a:p>
+            <a:pPr lvl="1"/>
+            <a:r>
+              <a:rPr lang="en-US" dirty="0" smtClean="0"/>
+              <a:t>James went </a:t>
             </a:r>
             <a:r>
               <a:rPr lang="en-US" u="sng" dirty="0" smtClean="0"/>
-              <a:t>an Acura</a:t>
-            </a:r>
-            <a:r>
-              <a:rPr lang="en-US" dirty="0" smtClean="0"/>
-              <a:t>, arrived </a:t>
+              <a:t>to sleep</a:t>
+            </a:r>
+            <a:r>
+              <a:rPr lang="en-US" dirty="0" smtClean="0"/>
+              <a:t>.</a:t>
+            </a:r>
+          </a:p>
+          <a:p>
+            <a:r>
+              <a:rPr lang="en-US" b="1" dirty="0" smtClean="0"/>
+              <a:t>Appositive phrase </a:t>
+            </a:r>
+            <a:r>
+              <a:rPr lang="en-US" dirty="0" smtClean="0"/>
+              <a:t>– phrase that renames an entity</a:t>
+            </a:r>
+          </a:p>
+          <a:p>
+            <a:pPr lvl="1"/>
+            <a:r>
+              <a:rPr lang="en-US" dirty="0" err="1" smtClean="0"/>
+              <a:t>Jimbo</a:t>
+            </a:r>
+            <a:r>
+              <a:rPr lang="en-US" dirty="0" smtClean="0"/>
+              <a:t>, </a:t>
             </a:r>
             <a:r>
               <a:rPr lang="en-US" u="sng" dirty="0" smtClean="0"/>
-              <a:t>from the warehouse</a:t>
-            </a:r>
-            <a:r>
-              <a:rPr lang="en-US" dirty="0" smtClean="0"/>
-              <a:t>. </a:t>
-            </a:r>
-          </a:p>
-          <a:p>
-            <a:r>
-              <a:rPr lang="en-US" dirty="0" smtClean="0"/>
-              <a:t>The salesman </a:t>
-            </a:r>
-            <a:r>
-              <a:rPr lang="en-US" u="sng" dirty="0" smtClean="0"/>
-              <a:t>working on Fridays </a:t>
-            </a:r>
-            <a:r>
-              <a:rPr lang="en-US" dirty="0" smtClean="0"/>
-              <a:t>sold me the car.</a:t>
-            </a:r>
-          </a:p>
-          <a:p>
-            <a:pPr marL="0" indent="0">
-              <a:buNone/>
-            </a:pPr>
-            <a:endParaRPr lang="en-US" dirty="0"/>
+              <a:t>the president of the fraternity</a:t>
+            </a:r>
+            <a:r>
+              <a:rPr lang="en-US" dirty="0" smtClean="0"/>
+              <a:t>, was a real jerk.</a:t>
+            </a:r>
           </a:p>
         </p:txBody>
       </p:sp>
     </p:spTree>
     <p:extLst>
       <p:ext uri="{BB962C8B-B14F-4D97-AF65-F5344CB8AC3E}">
-        <p14:creationId xmlns:p14="http://schemas.microsoft.com/office/powerpoint/2010/main" val="3780678253"/>
+        <p14:creationId xmlns:p14="http://schemas.microsoft.com/office/powerpoint/2010/main" val="3845010133"/>
       </p:ext>
     </p:extLst>
   </p:cSld>
@@ -9977,13 +9663,13 @@
         <p:spPr/>
         <p:txBody>
           <a:bodyPr>
-            <a:normAutofit fontScale="90000"/>
+            <a:normAutofit/>
           </a:bodyPr>
           <a:lstStyle/>
           <a:p>
             <a:r>
               <a:rPr lang="en-US" dirty="0" smtClean="0"/>
-              <a:t>Modifiers and their functions</a:t>
+              <a:t>Race!</a:t>
             </a:r>
             <a:endParaRPr lang="en-US" dirty="0"/>
           </a:p>
@@ -9999,110 +9685,157 @@
             <p:ph idx="1"/>
           </p:nvPr>
         </p:nvSpPr>
-        <p:spPr/>
+        <p:spPr>
+          <a:xfrm>
+            <a:off x="900112" y="1905000"/>
+            <a:ext cx="7481888" cy="4160521"/>
+          </a:xfrm>
+        </p:spPr>
         <p:txBody>
           <a:bodyPr/>
           <a:lstStyle/>
           <a:p>
-            <a:r>
-              <a:rPr lang="en-US" dirty="0"/>
+            <a:pPr marL="0" indent="0">
+              <a:buNone/>
+            </a:pPr>
+            <a:r>
+              <a:rPr lang="en-US" dirty="0" smtClean="0"/>
+              <a:t>Identify the </a:t>
+            </a:r>
+            <a:r>
+              <a:rPr lang="en-US" dirty="0" smtClean="0"/>
+              <a:t>modifier’s </a:t>
+            </a:r>
+            <a:r>
+              <a:rPr lang="en-US" b="1" dirty="0" smtClean="0"/>
+              <a:t>identity</a:t>
+            </a:r>
+            <a:r>
+              <a:rPr lang="en-US" dirty="0" smtClean="0"/>
+              <a:t> (</a:t>
+            </a:r>
+            <a:r>
+              <a:rPr lang="en-US" dirty="0" smtClean="0"/>
+              <a:t>preposition, noun, </a:t>
+            </a:r>
+            <a:r>
+              <a:rPr lang="en-US" dirty="0" smtClean="0"/>
+              <a:t>participial, etc.</a:t>
+            </a:r>
+            <a:r>
+              <a:rPr lang="en-US" dirty="0" smtClean="0"/>
+              <a:t>) and then identify the phrases </a:t>
+            </a:r>
+            <a:r>
+              <a:rPr lang="en-US" b="1" dirty="0" smtClean="0"/>
+              <a:t>function</a:t>
+            </a:r>
+            <a:r>
+              <a:rPr lang="en-US" dirty="0" smtClean="0"/>
+              <a:t> (adverbial, adjectival, or direct object)</a:t>
+            </a:r>
+          </a:p>
+          <a:p>
+            <a:pPr marL="457200" indent="-457200">
+              <a:buFont typeface="+mj-lt"/>
+              <a:buAutoNum type="arabicPeriod"/>
+            </a:pPr>
+            <a:r>
+              <a:rPr lang="en-US" dirty="0" smtClean="0"/>
               <a:t>The car received its </a:t>
             </a:r>
             <a:r>
-              <a:rPr lang="en-US" u="sng" dirty="0"/>
+              <a:rPr lang="en-US" u="sng" dirty="0" smtClean="0"/>
               <a:t>emissions certification</a:t>
             </a:r>
             <a:r>
-              <a:rPr lang="en-US" dirty="0"/>
+              <a:rPr lang="en-US" dirty="0" smtClean="0"/>
               <a:t>. </a:t>
             </a:r>
-            <a:r>
-              <a:rPr lang="en-US" dirty="0" smtClean="0">
-                <a:solidFill>
-                  <a:srgbClr val="3366FF"/>
-                </a:solidFill>
-              </a:rPr>
-              <a:t>(Noun phrase; direct object of “received”)</a:t>
-            </a:r>
-            <a:endParaRPr lang="en-US" dirty="0"/>
-          </a:p>
-          <a:p>
-            <a:r>
-              <a:rPr lang="en-US" dirty="0"/>
+          </a:p>
+          <a:p>
+            <a:pPr marL="457200" indent="-457200">
+              <a:buFont typeface="+mj-lt"/>
+              <a:buAutoNum type="arabicPeriod"/>
+            </a:pPr>
+            <a:r>
+              <a:rPr lang="en-US" dirty="0" smtClean="0"/>
               <a:t>The car, </a:t>
             </a:r>
             <a:r>
-              <a:rPr lang="en-US" u="sng" dirty="0"/>
+              <a:rPr lang="en-US" u="sng" dirty="0" smtClean="0"/>
               <a:t>an Acura</a:t>
             </a:r>
             <a:r>
-              <a:rPr lang="en-US" dirty="0"/>
+              <a:rPr lang="en-US" dirty="0" smtClean="0"/>
               <a:t>, arrived </a:t>
             </a:r>
             <a:r>
-              <a:rPr lang="en-US" u="sng" dirty="0"/>
+              <a:rPr lang="en-US" u="sng" dirty="0" smtClean="0"/>
               <a:t>from the warehouse</a:t>
             </a:r>
             <a:r>
-              <a:rPr lang="en-US" dirty="0"/>
+              <a:rPr lang="en-US" dirty="0" smtClean="0"/>
               <a:t>. </a:t>
             </a:r>
           </a:p>
           <a:p>
-            <a:pPr lvl="1"/>
-            <a:r>
-              <a:rPr lang="en-US" dirty="0" smtClean="0">
-                <a:solidFill>
-                  <a:srgbClr val="3366FF"/>
-                </a:solidFill>
-              </a:rPr>
-              <a:t>An Acura (appositive phrase; adjectival modifying “car”)</a:t>
-            </a:r>
-          </a:p>
-          <a:p>
-            <a:pPr lvl="1"/>
-            <a:r>
-              <a:rPr lang="en-US" dirty="0" smtClean="0">
-                <a:solidFill>
-                  <a:srgbClr val="3366FF"/>
-                </a:solidFill>
-              </a:rPr>
-              <a:t>From the warehouse (preposition; adverbial modifying “arrived”</a:t>
-            </a:r>
-            <a:endParaRPr lang="en-US" dirty="0">
-              <a:solidFill>
-                <a:srgbClr val="3366FF"/>
-              </a:solidFill>
-            </a:endParaRPr>
-          </a:p>
-          <a:p>
-            <a:r>
-              <a:rPr lang="en-US" dirty="0"/>
+            <a:pPr marL="457200" indent="-457200">
+              <a:buFont typeface="+mj-lt"/>
+              <a:buAutoNum type="arabicPeriod"/>
+            </a:pPr>
+            <a:r>
+              <a:rPr lang="en-US" dirty="0" smtClean="0"/>
               <a:t>The salesman </a:t>
             </a:r>
             <a:r>
-              <a:rPr lang="en-US" u="sng" dirty="0"/>
+              <a:rPr lang="en-US" u="sng" dirty="0" smtClean="0"/>
               <a:t>working on Fridays </a:t>
             </a:r>
             <a:r>
-              <a:rPr lang="en-US" dirty="0"/>
-              <a:t>sold me the car</a:t>
-            </a:r>
-            <a:r>
-              <a:rPr lang="en-US" dirty="0" smtClean="0"/>
-              <a:t>. </a:t>
-            </a:r>
-            <a:r>
-              <a:rPr lang="en-US" dirty="0" smtClean="0">
-                <a:solidFill>
-                  <a:srgbClr val="3366FF"/>
-                </a:solidFill>
-              </a:rPr>
-              <a:t>(participial phrase; adjectival modifying “salesman”)</a:t>
-            </a:r>
-            <a:endParaRPr lang="en-US" dirty="0"/>
-          </a:p>
-          <a:p>
+              <a:rPr lang="en-US" dirty="0" smtClean="0"/>
+              <a:t>sold me </a:t>
+            </a:r>
+            <a:r>
+              <a:rPr lang="en-US" u="sng" dirty="0" smtClean="0"/>
+              <a:t>the car</a:t>
+            </a:r>
+            <a:r>
+              <a:rPr lang="en-US" dirty="0" smtClean="0"/>
+              <a:t>.</a:t>
+            </a:r>
+          </a:p>
+          <a:p>
+            <a:pPr marL="457200" indent="-457200">
+              <a:buFont typeface="+mj-lt"/>
+              <a:buAutoNum type="arabicPeriod"/>
+            </a:pPr>
+            <a:r>
+              <a:rPr lang="en-US" dirty="0" smtClean="0"/>
+              <a:t>Technical editing is </a:t>
+            </a:r>
+            <a:r>
+              <a:rPr lang="en-US" u="sng" dirty="0" smtClean="0"/>
+              <a:t>a class that is offered</a:t>
+            </a:r>
+            <a:r>
+              <a:rPr lang="en-US" dirty="0" smtClean="0"/>
+              <a:t>  </a:t>
+            </a:r>
+            <a:r>
+              <a:rPr lang="en-US" u="sng" dirty="0" smtClean="0"/>
+              <a:t>to juniors and seniors</a:t>
+            </a:r>
+            <a:r>
+              <a:rPr lang="en-US" dirty="0" smtClean="0"/>
+              <a:t>.</a:t>
+            </a:r>
+            <a:endParaRPr lang="en-US" dirty="0" smtClean="0"/>
+          </a:p>
+          <a:p>
+            <a:pPr marL="0" indent="0">
+              <a:buNone/>
+            </a:pPr>
             <a:endParaRPr lang="en-US" dirty="0"/>
           </a:p>
         </p:txBody>
@@ -10110,7 +9843,7 @@
     </p:spTree>
     <p:extLst>
       <p:ext uri="{BB962C8B-B14F-4D97-AF65-F5344CB8AC3E}">
-        <p14:creationId xmlns:p14="http://schemas.microsoft.com/office/powerpoint/2010/main" val="3525177743"/>
+        <p14:creationId xmlns:p14="http://schemas.microsoft.com/office/powerpoint/2010/main" val="3780678253"/>
       </p:ext>
     </p:extLst>
   </p:cSld>
@@ -10267,12 +10000,45 @@
       </p:grpSpPr>
       <p:sp>
         <p:nvSpPr>
-          <p:cNvPr id="2" name="Title 1"/>
-          <p:cNvSpPr>
-            <a:spLocks noGrp="1"/>
+          <p:cNvPr id="20481" name="Rectangle 2"/>
+          <p:cNvSpPr>
+            <a:spLocks noGrp="1" noChangeArrowheads="1"/>
           </p:cNvSpPr>
           <p:nvPr>
             <p:ph type="title"/>
+          </p:nvPr>
+        </p:nvSpPr>
+        <p:spPr/>
+        <p:txBody>
+          <a:bodyPr>
+            <a:normAutofit fontScale="90000"/>
+          </a:bodyPr>
+          <a:lstStyle/>
+          <a:p>
+            <a:pPr eaLnBrk="1" hangingPunct="1"/>
+            <a:r>
+              <a:rPr lang="en-US" dirty="0" smtClean="0">
+                <a:latin typeface="Franklin Gothic Book" charset="0"/>
+              </a:rPr>
+              <a:t>Misplaced Modifiers: What </a:t>
+            </a:r>
+            <a:r>
+              <a:rPr lang="en-US" dirty="0">
+                <a:latin typeface="Franklin Gothic Book" charset="0"/>
+              </a:rPr>
+              <a:t>are they?</a:t>
+            </a:r>
+          </a:p>
+        </p:txBody>
+      </p:sp>
+      <p:sp>
+        <p:nvSpPr>
+          <p:cNvPr id="20482" name="Rectangle 3"/>
+          <p:cNvSpPr>
+            <a:spLocks noGrp="1" noChangeArrowheads="1"/>
+          </p:cNvSpPr>
+          <p:nvPr>
+            <p:ph idx="1"/>
           </p:nvPr>
         </p:nvSpPr>
         <p:spPr/>
@@ -10280,67 +10046,55 @@
           <a:bodyPr/>
           <a:lstStyle/>
           <a:p>
-            <a:r>
-              <a:rPr lang="en-US" dirty="0" smtClean="0"/>
-              <a:t>Subject-Verb Agreement</a:t>
-            </a:r>
-            <a:endParaRPr lang="en-US" dirty="0"/>
-          </a:p>
-        </p:txBody>
-      </p:sp>
-      <p:sp>
-        <p:nvSpPr>
-          <p:cNvPr id="3" name="Content Placeholder 2"/>
-          <p:cNvSpPr>
-            <a:spLocks noGrp="1"/>
-          </p:cNvSpPr>
-          <p:nvPr>
-            <p:ph idx="1"/>
-          </p:nvPr>
-        </p:nvSpPr>
-        <p:spPr/>
-        <p:txBody>
-          <a:bodyPr/>
-          <a:lstStyle/>
-          <a:p>
-            <a:r>
-              <a:rPr lang="en-US" dirty="0" smtClean="0"/>
-              <a:t>Subjects and verbs must agree in number</a:t>
-            </a:r>
-          </a:p>
-          <a:p>
-            <a:r>
-              <a:rPr lang="en-US" dirty="0" smtClean="0"/>
-              <a:t>Singular subjects must be paired with singular verb forms</a:t>
-            </a:r>
-          </a:p>
-          <a:p>
-            <a:pPr lvl="1"/>
-            <a:r>
-              <a:rPr lang="en-US" dirty="0" smtClean="0"/>
-              <a:t>The chair of the universities decides on the final budget. </a:t>
-            </a:r>
-          </a:p>
-          <a:p>
-            <a:r>
-              <a:rPr lang="en-US" dirty="0" smtClean="0"/>
-              <a:t>Plural subjects must be paired with plural verb forms</a:t>
-            </a:r>
-          </a:p>
-          <a:p>
-            <a:pPr lvl="1"/>
-            <a:r>
-              <a:rPr lang="en-US" dirty="0" smtClean="0"/>
-              <a:t>The chairs who serve on the committee decide on the final budget.</a:t>
-            </a:r>
-            <a:endParaRPr lang="en-US" dirty="0"/>
+            <a:pPr eaLnBrk="1" hangingPunct="1">
+              <a:lnSpc>
+                <a:spcPct val="90000"/>
+              </a:lnSpc>
+            </a:pPr>
+            <a:r>
+              <a:rPr lang="en-US" dirty="0">
+                <a:latin typeface="Perpetua" charset="0"/>
+              </a:rPr>
+              <a:t>A modifying word or phrase in the wrong </a:t>
+            </a:r>
+            <a:r>
+              <a:rPr lang="en-US" dirty="0" smtClean="0">
+                <a:latin typeface="Perpetua" charset="0"/>
+              </a:rPr>
+              <a:t>place</a:t>
+            </a:r>
+            <a:endParaRPr lang="en-US" dirty="0">
+              <a:latin typeface="Perpetua" charset="0"/>
+            </a:endParaRPr>
+          </a:p>
+          <a:p>
+            <a:pPr eaLnBrk="1" hangingPunct="1">
+              <a:lnSpc>
+                <a:spcPct val="90000"/>
+              </a:lnSpc>
+            </a:pPr>
+            <a:r>
+              <a:rPr lang="en-US" dirty="0">
+                <a:latin typeface="Perpetua" charset="0"/>
+              </a:rPr>
+              <a:t>In English, modifiers usually precede the noun they </a:t>
+            </a:r>
+            <a:r>
+              <a:rPr lang="en-US" dirty="0" smtClean="0">
+                <a:latin typeface="Perpetua" charset="0"/>
+              </a:rPr>
+              <a:t>modify</a:t>
+            </a:r>
+            <a:endParaRPr lang="en-US" dirty="0">
+              <a:latin typeface="Perpetua" charset="0"/>
+            </a:endParaRPr>
           </a:p>
         </p:txBody>
       </p:sp>
     </p:spTree>
     <p:extLst>
       <p:ext uri="{BB962C8B-B14F-4D97-AF65-F5344CB8AC3E}">
-        <p14:creationId xmlns:p14="http://schemas.microsoft.com/office/powerpoint/2010/main" val="2261560613"/>
+        <p14:creationId xmlns:p14="http://schemas.microsoft.com/office/powerpoint/2010/main" val="411076301"/>
       </p:ext>
     </p:extLst>
   </p:cSld>
@@ -10464,7 +10218,7 @@
       </p:grpSpPr>
       <p:sp>
         <p:nvSpPr>
-          <p:cNvPr id="2" name="Title 1"/>
+          <p:cNvPr id="21505" name="Title 7"/>
           <p:cNvSpPr>
             <a:spLocks noGrp="1"/>
           </p:cNvSpPr>
@@ -10479,17 +10233,19 @@
           </a:bodyPr>
           <a:lstStyle/>
           <a:p>
-            <a:r>
-              <a:rPr lang="en-US" dirty="0" smtClean="0"/>
-              <a:t>Subject-Verb Agreement Special Considerations</a:t>
-            </a:r>
-            <a:endParaRPr lang="en-US" dirty="0"/>
-          </a:p>
-        </p:txBody>
-      </p:sp>
-      <p:sp>
-        <p:nvSpPr>
-          <p:cNvPr id="3" name="Content Placeholder 2"/>
+            <a:pPr eaLnBrk="1" hangingPunct="1"/>
+            <a:r>
+              <a:rPr lang="en-US">
+                <a:latin typeface="Franklin Gothic Book" charset="0"/>
+              </a:rPr>
+              <a:t>Here are some basic examples</a:t>
+            </a:r>
+          </a:p>
+        </p:txBody>
+      </p:sp>
+      <p:sp>
+        <p:nvSpPr>
+          <p:cNvPr id="21506" name="Content Placeholder 8"/>
           <p:cNvSpPr>
             <a:spLocks noGrp="1"/>
           </p:cNvSpPr>
@@ -10502,52 +10258,92 @@
           <a:bodyPr/>
           <a:lstStyle/>
           <a:p>
-            <a:r>
-              <a:rPr lang="en-US" dirty="0" smtClean="0"/>
-              <a:t>Collective nouns (can be treated as either singular or plural)</a:t>
-            </a:r>
-          </a:p>
-          <a:p>
-            <a:pPr lvl="1"/>
-            <a:r>
-              <a:rPr lang="en-US" dirty="0" smtClean="0"/>
-              <a:t>The committee decides on the budget. (Singular entity)</a:t>
-            </a:r>
-          </a:p>
-          <a:p>
-            <a:pPr lvl="1"/>
-            <a:r>
-              <a:rPr lang="en-US" dirty="0" smtClean="0"/>
-              <a:t>The faculty decide on their course schedules. (Collection of individuals)</a:t>
-            </a:r>
-          </a:p>
-          <a:p>
-            <a:r>
-              <a:rPr lang="en-US" dirty="0" smtClean="0"/>
-              <a:t>Expletive structures (There is/There are)- Use NP following the verb</a:t>
-            </a:r>
-          </a:p>
-          <a:p>
-            <a:pPr lvl="1"/>
-            <a:r>
-              <a:rPr lang="en-US" dirty="0" smtClean="0"/>
-              <a:t>There are twenty variables in the equation. </a:t>
-            </a:r>
-          </a:p>
-          <a:p>
-            <a:pPr lvl="1"/>
-            <a:r>
-              <a:rPr lang="en-US" dirty="0" smtClean="0"/>
-              <a:t>There is a variable in the equation.</a:t>
-            </a:r>
-            <a:endParaRPr lang="en-US" dirty="0"/>
+            <a:pPr eaLnBrk="1" hangingPunct="1"/>
+            <a:r>
+              <a:rPr lang="en-US">
+                <a:latin typeface="Perpetua" charset="0"/>
+              </a:rPr>
+              <a:t>Billy ate a cold dish of cereal for breakfast.</a:t>
+            </a:r>
+          </a:p>
+          <a:p>
+            <a:pPr lvl="1" eaLnBrk="1" hangingPunct="1"/>
+            <a:r>
+              <a:rPr lang="en-US">
+                <a:latin typeface="Perpetua" charset="0"/>
+              </a:rPr>
+              <a:t>Which word is being modified?</a:t>
+            </a:r>
+          </a:p>
+          <a:p>
+            <a:pPr lvl="1" eaLnBrk="1" hangingPunct="1"/>
+            <a:r>
+              <a:rPr lang="en-US">
+                <a:latin typeface="Perpetua" charset="0"/>
+              </a:rPr>
+              <a:t>Which word should be modified?</a:t>
+            </a:r>
+          </a:p>
+          <a:p>
+            <a:pPr lvl="1" eaLnBrk="1" hangingPunct="1">
+              <a:buFont typeface="Wingdings 2" charset="0"/>
+              <a:buNone/>
+            </a:pPr>
+            <a:endParaRPr lang="en-US">
+              <a:latin typeface="Perpetua" charset="0"/>
+            </a:endParaRPr>
+          </a:p>
+          <a:p>
+            <a:pPr eaLnBrk="1" hangingPunct="1"/>
+            <a:r>
+              <a:rPr lang="en-US">
+                <a:latin typeface="Perpetua" charset="0"/>
+              </a:rPr>
+              <a:t>Only three tacos for $2.89!</a:t>
+            </a:r>
+          </a:p>
+          <a:p>
+            <a:pPr lvl="1" eaLnBrk="1" hangingPunct="1"/>
+            <a:r>
+              <a:rPr lang="en-US">
+                <a:latin typeface="Perpetua" charset="0"/>
+              </a:rPr>
+              <a:t>Which word is being modified?</a:t>
+            </a:r>
+          </a:p>
+          <a:p>
+            <a:pPr lvl="1" eaLnBrk="1" hangingPunct="1"/>
+            <a:r>
+              <a:rPr lang="en-US">
+                <a:latin typeface="Perpetua" charset="0"/>
+              </a:rPr>
+              <a:t>Which word should be modified?</a:t>
+            </a:r>
+          </a:p>
+          <a:p>
+            <a:pPr eaLnBrk="1" hangingPunct="1">
+              <a:buFont typeface="Wingdings 2" charset="0"/>
+              <a:buNone/>
+            </a:pPr>
+            <a:endParaRPr lang="en-US">
+              <a:latin typeface="Perpetua" charset="0"/>
+            </a:endParaRPr>
+          </a:p>
+          <a:p>
+            <a:pPr eaLnBrk="1" hangingPunct="1">
+              <a:buFont typeface="Wingdings 2" charset="0"/>
+              <a:buNone/>
+            </a:pPr>
+            <a:endParaRPr lang="en-US">
+              <a:latin typeface="Perpetua" charset="0"/>
+            </a:endParaRPr>
           </a:p>
         </p:txBody>
       </p:sp>
     </p:spTree>
     <p:extLst>
       <p:ext uri="{BB962C8B-B14F-4D97-AF65-F5344CB8AC3E}">
-        <p14:creationId xmlns:p14="http://schemas.microsoft.com/office/powerpoint/2010/main" val="635406073"/>
+        <p14:creationId xmlns:p14="http://schemas.microsoft.com/office/powerpoint/2010/main" val="2637436688"/>
       </p:ext>
     </p:extLst>
   </p:cSld>
@@ -10576,12 +10372,39 @@
       </p:grpSpPr>
       <p:sp>
         <p:nvSpPr>
-          <p:cNvPr id="2" name="Title 1"/>
+          <p:cNvPr id="22529" name="Title 7"/>
           <p:cNvSpPr>
             <a:spLocks noGrp="1"/>
           </p:cNvSpPr>
           <p:nvPr>
             <p:ph type="title"/>
+          </p:nvPr>
+        </p:nvSpPr>
+        <p:spPr/>
+        <p:txBody>
+          <a:bodyPr>
+            <a:normAutofit fontScale="90000"/>
+          </a:bodyPr>
+          <a:lstStyle/>
+          <a:p>
+            <a:pPr eaLnBrk="1" hangingPunct="1"/>
+            <a:r>
+              <a:rPr lang="en-US">
+                <a:latin typeface="Franklin Gothic Book" charset="0"/>
+              </a:rPr>
+              <a:t>Do these revisions make more sense?</a:t>
+            </a:r>
+          </a:p>
+        </p:txBody>
+      </p:sp>
+      <p:sp>
+        <p:nvSpPr>
+          <p:cNvPr id="22530" name="Content Placeholder 8"/>
+          <p:cNvSpPr>
+            <a:spLocks noGrp="1"/>
+          </p:cNvSpPr>
+          <p:nvPr>
+            <p:ph idx="1"/>
           </p:nvPr>
         </p:nvSpPr>
         <p:spPr/>
@@ -10589,75 +10412,92 @@
           <a:bodyPr/>
           <a:lstStyle/>
           <a:p>
-            <a:r>
-              <a:rPr lang="en-US" dirty="0" smtClean="0"/>
-              <a:t>Faulty Predication</a:t>
-            </a:r>
-            <a:endParaRPr lang="en-US" dirty="0"/>
-          </a:p>
-        </p:txBody>
-      </p:sp>
-      <p:sp>
-        <p:nvSpPr>
-          <p:cNvPr id="3" name="Content Placeholder 2"/>
-          <p:cNvSpPr>
-            <a:spLocks noGrp="1"/>
-          </p:cNvSpPr>
-          <p:nvPr>
-            <p:ph idx="1"/>
-          </p:nvPr>
-        </p:nvSpPr>
-        <p:spPr/>
-        <p:txBody>
-          <a:bodyPr/>
-          <a:lstStyle/>
-          <a:p>
-            <a:r>
-              <a:rPr lang="en-US" dirty="0" smtClean="0"/>
-              <a:t>Subjects and predicates must work together logically too</a:t>
-            </a:r>
-          </a:p>
-          <a:p>
-            <a:pPr lvl="1"/>
-            <a:r>
-              <a:rPr lang="en-US" dirty="0" smtClean="0"/>
-              <a:t>Faulty: A book I read believes that there is only one way to analyze the data.</a:t>
-            </a:r>
-          </a:p>
-          <a:p>
-            <a:pPr lvl="1"/>
-            <a:r>
-              <a:rPr lang="en-US" dirty="0" smtClean="0"/>
-              <a:t>Fixed: The author believes…</a:t>
-            </a:r>
-          </a:p>
-          <a:p>
-            <a:r>
-              <a:rPr lang="en-US" dirty="0" smtClean="0"/>
-              <a:t>Agents can still be non-human though</a:t>
-            </a:r>
-          </a:p>
-          <a:p>
-            <a:pPr lvl="1"/>
-            <a:r>
-              <a:rPr lang="en-US" dirty="0" smtClean="0"/>
-              <a:t>The study revealed that…</a:t>
-            </a:r>
-            <a:endParaRPr lang="en-US" dirty="0"/>
-          </a:p>
-          <a:p>
-            <a:pPr lvl="1"/>
-            <a:r>
-              <a:rPr lang="en-US" dirty="0" smtClean="0"/>
-              <a:t>The report explains…</a:t>
-            </a:r>
+            <a:pPr eaLnBrk="1" hangingPunct="1"/>
+            <a:r>
+              <a:rPr lang="en-US">
+                <a:latin typeface="Perpetua" charset="0"/>
+              </a:rPr>
+              <a:t>Billy ate a dish of cold cereal for breakfast.</a:t>
+            </a:r>
+          </a:p>
+          <a:p>
+            <a:pPr lvl="1" eaLnBrk="1" hangingPunct="1"/>
+            <a:r>
+              <a:rPr lang="en-US">
+                <a:latin typeface="Perpetua" charset="0"/>
+              </a:rPr>
+              <a:t>Which noun is being modified?</a:t>
+            </a:r>
+          </a:p>
+          <a:p>
+            <a:pPr lvl="1" eaLnBrk="1" hangingPunct="1"/>
+            <a:r>
+              <a:rPr lang="en-US">
+                <a:latin typeface="Perpetua" charset="0"/>
+              </a:rPr>
+              <a:t>Which noun should be modified?</a:t>
+            </a:r>
+          </a:p>
+          <a:p>
+            <a:pPr lvl="1" eaLnBrk="1" hangingPunct="1">
+              <a:buFont typeface="Wingdings 2" charset="0"/>
+              <a:buNone/>
+            </a:pPr>
+            <a:endParaRPr lang="en-US">
+              <a:latin typeface="Perpetua" charset="0"/>
+            </a:endParaRPr>
+          </a:p>
+          <a:p>
+            <a:pPr eaLnBrk="1" hangingPunct="1"/>
+            <a:r>
+              <a:rPr lang="en-US">
+                <a:latin typeface="Perpetua" charset="0"/>
+              </a:rPr>
+              <a:t>Three tacos for only $2.89!</a:t>
+            </a:r>
+          </a:p>
+          <a:p>
+            <a:pPr lvl="1" eaLnBrk="1" hangingPunct="1"/>
+            <a:r>
+              <a:rPr lang="en-US">
+                <a:latin typeface="Perpetua" charset="0"/>
+              </a:rPr>
+              <a:t>Which noun is being modified?</a:t>
+            </a:r>
+          </a:p>
+          <a:p>
+            <a:pPr lvl="1" eaLnBrk="1" hangingPunct="1"/>
+            <a:r>
+              <a:rPr lang="en-US">
+                <a:latin typeface="Perpetua" charset="0"/>
+              </a:rPr>
+              <a:t>Which noun should be modified?</a:t>
+            </a:r>
+          </a:p>
+          <a:p>
+            <a:pPr eaLnBrk="1" hangingPunct="1">
+              <a:buFont typeface="Wingdings 2" charset="0"/>
+              <a:buNone/>
+            </a:pPr>
+            <a:endParaRPr lang="en-US">
+              <a:latin typeface="Perpetua" charset="0"/>
+            </a:endParaRPr>
+          </a:p>
+          <a:p>
+            <a:pPr eaLnBrk="1" hangingPunct="1">
+              <a:buFont typeface="Wingdings 2" charset="0"/>
+              <a:buNone/>
+            </a:pPr>
+            <a:endParaRPr lang="en-US">
+              <a:latin typeface="Perpetua" charset="0"/>
+            </a:endParaRPr>
           </a:p>
         </p:txBody>
       </p:sp>
     </p:spTree>
     <p:extLst>
       <p:ext uri="{BB962C8B-B14F-4D97-AF65-F5344CB8AC3E}">
-        <p14:creationId xmlns:p14="http://schemas.microsoft.com/office/powerpoint/2010/main" val="3395216845"/>
+        <p14:creationId xmlns:p14="http://schemas.microsoft.com/office/powerpoint/2010/main" val="1833940793"/>
       </p:ext>
     </p:extLst>
   </p:cSld>
@@ -10686,37 +10526,12 @@
       </p:grpSpPr>
       <p:sp>
         <p:nvSpPr>
-          <p:cNvPr id="2" name="Title 1"/>
-          <p:cNvSpPr>
-            <a:spLocks noGrp="1"/>
+          <p:cNvPr id="23553" name="Rectangle 2"/>
+          <p:cNvSpPr>
+            <a:spLocks noGrp="1" noChangeArrowheads="1"/>
           </p:cNvSpPr>
           <p:nvPr>
             <p:ph type="title"/>
-          </p:nvPr>
-        </p:nvSpPr>
-        <p:spPr/>
-        <p:txBody>
-          <a:bodyPr>
-            <a:normAutofit fontScale="90000"/>
-          </a:bodyPr>
-          <a:lstStyle/>
-          <a:p>
-            <a:r>
-              <a:rPr lang="en-US" dirty="0" smtClean="0"/>
-              <a:t>Other common causes for faulty predication</a:t>
-            </a:r>
-            <a:endParaRPr lang="en-US" dirty="0"/>
-          </a:p>
-        </p:txBody>
-      </p:sp>
-      <p:sp>
-        <p:nvSpPr>
-          <p:cNvPr id="3" name="Content Placeholder 2"/>
-          <p:cNvSpPr>
-            <a:spLocks noGrp="1"/>
-          </p:cNvSpPr>
-          <p:nvPr>
-            <p:ph idx="1"/>
           </p:nvPr>
         </p:nvSpPr>
         <p:spPr/>
@@ -10724,45 +10539,72 @@
           <a:bodyPr/>
           <a:lstStyle/>
           <a:p>
-            <a:r>
-              <a:rPr lang="en-US" dirty="0" smtClean="0"/>
-              <a:t>Misuse of linking verbs or to be </a:t>
-            </a:r>
-          </a:p>
-          <a:p>
-            <a:pPr lvl="1"/>
-            <a:r>
-              <a:rPr lang="en-US" dirty="0" smtClean="0"/>
-              <a:t>Faulty: The use of SPSS is the best program for analyzing quantitative data. </a:t>
-            </a:r>
-          </a:p>
-          <a:p>
-            <a:pPr lvl="1"/>
-            <a:r>
-              <a:rPr lang="en-US" dirty="0" smtClean="0"/>
-              <a:t>Fixed: SPSS is </a:t>
-            </a:r>
-            <a:r>
-              <a:rPr lang="en-US" dirty="0"/>
-              <a:t>the best program for analyzing quantitative data. </a:t>
-            </a:r>
-          </a:p>
-          <a:p>
-            <a:pPr marL="350838" lvl="1" indent="0">
+            <a:pPr eaLnBrk="1" hangingPunct="1"/>
+            <a:r>
+              <a:rPr lang="en-US">
+                <a:latin typeface="Franklin Gothic Book" charset="0"/>
+              </a:rPr>
+              <a:t>Generally…</a:t>
+            </a:r>
+          </a:p>
+        </p:txBody>
+      </p:sp>
+      <p:sp>
+        <p:nvSpPr>
+          <p:cNvPr id="23554" name="Rectangle 3"/>
+          <p:cNvSpPr>
+            <a:spLocks noGrp="1" noChangeArrowheads="1"/>
+          </p:cNvSpPr>
+          <p:nvPr>
+            <p:ph idx="1"/>
+          </p:nvPr>
+        </p:nvSpPr>
+        <p:spPr/>
+        <p:txBody>
+          <a:bodyPr/>
+          <a:lstStyle/>
+          <a:p>
+            <a:pPr eaLnBrk="1" hangingPunct="1"/>
+            <a:r>
+              <a:rPr lang="en-US" dirty="0">
+                <a:latin typeface="Perpetua" charset="0"/>
+              </a:rPr>
+              <a:t>A misplaced modifier results in two possible meanings or a meaning the author </a:t>
+            </a:r>
+            <a:r>
+              <a:rPr lang="en-US" dirty="0" smtClean="0">
+                <a:latin typeface="Perpetua" charset="0"/>
+              </a:rPr>
+              <a:t>didn’</a:t>
+            </a:r>
+            <a:r>
+              <a:rPr lang="en-US" altLang="ja-JP" dirty="0" smtClean="0">
+                <a:latin typeface="Perpetua" charset="0"/>
+              </a:rPr>
+              <a:t>t </a:t>
+            </a:r>
+            <a:r>
+              <a:rPr lang="en-US" altLang="ja-JP" dirty="0">
+                <a:latin typeface="Perpetua" charset="0"/>
+              </a:rPr>
+              <a:t>intend</a:t>
+            </a:r>
+          </a:p>
+          <a:p>
+            <a:pPr eaLnBrk="1" hangingPunct="1">
+              <a:buFont typeface="Wingdings 2" charset="0"/>
               <a:buNone/>
             </a:pPr>
-            <a:endParaRPr lang="en-US" dirty="0" smtClean="0"/>
-          </a:p>
-          <a:p>
-            <a:pPr lvl="1"/>
-            <a:endParaRPr lang="en-US" dirty="0" smtClean="0"/>
+            <a:endParaRPr lang="en-US" dirty="0">
+              <a:latin typeface="Perpetua" charset="0"/>
+            </a:endParaRPr>
           </a:p>
         </p:txBody>
       </p:sp>
     </p:spTree>
     <p:extLst>
       <p:ext uri="{BB962C8B-B14F-4D97-AF65-F5344CB8AC3E}">
-        <p14:creationId xmlns:p14="http://schemas.microsoft.com/office/powerpoint/2010/main" val="3063100614"/>
+        <p14:creationId xmlns:p14="http://schemas.microsoft.com/office/powerpoint/2010/main" val="1163217753"/>
       </p:ext>
     </p:extLst>
   </p:cSld>
@@ -10791,45 +10633,12 @@
       </p:grpSpPr>
       <p:sp>
         <p:nvSpPr>
-          <p:cNvPr id="20481" name="Rectangle 2"/>
+          <p:cNvPr id="26625" name="Rectangle 2"/>
           <p:cNvSpPr>
             <a:spLocks noGrp="1" noChangeArrowheads="1"/>
           </p:cNvSpPr>
           <p:nvPr>
             <p:ph type="title"/>
-          </p:nvPr>
-        </p:nvSpPr>
-        <p:spPr/>
-        <p:txBody>
-          <a:bodyPr>
-            <a:normAutofit fontScale="90000"/>
-          </a:bodyPr>
-          <a:lstStyle/>
-          <a:p>
-            <a:pPr eaLnBrk="1" hangingPunct="1"/>
-            <a:r>
-              <a:rPr lang="en-US" dirty="0" smtClean="0">
-                <a:latin typeface="Franklin Gothic Book" charset="0"/>
-              </a:rPr>
-              <a:t>Misplaced Modifiers: What </a:t>
-            </a:r>
-            <a:r>
-              <a:rPr lang="en-US" dirty="0">
-                <a:latin typeface="Franklin Gothic Book" charset="0"/>
-              </a:rPr>
-              <a:t>are they?</a:t>
-            </a:r>
-          </a:p>
-        </p:txBody>
-      </p:sp>
-      <p:sp>
-        <p:nvSpPr>
-          <p:cNvPr id="20482" name="Rectangle 3"/>
-          <p:cNvSpPr>
-            <a:spLocks noGrp="1" noChangeArrowheads="1"/>
-          </p:cNvSpPr>
-          <p:nvPr>
-            <p:ph idx="1"/>
           </p:nvPr>
         </p:nvSpPr>
         <p:spPr/>
@@ -10837,76 +10646,68 @@
           <a:bodyPr/>
           <a:lstStyle/>
           <a:p>
-            <a:pPr eaLnBrk="1" hangingPunct="1">
-              <a:lnSpc>
-                <a:spcPct val="90000"/>
-              </a:lnSpc>
-            </a:pPr>
-            <a:r>
-              <a:rPr lang="en-US" dirty="0">
+            <a:pPr eaLnBrk="1" hangingPunct="1"/>
+            <a:endParaRPr lang="en-US">
+              <a:latin typeface="Franklin Gothic Book" charset="0"/>
+            </a:endParaRPr>
+          </a:p>
+        </p:txBody>
+      </p:sp>
+      <p:sp>
+        <p:nvSpPr>
+          <p:cNvPr id="26626" name="Rectangle 3"/>
+          <p:cNvSpPr>
+            <a:spLocks noGrp="1" noChangeArrowheads="1"/>
+          </p:cNvSpPr>
+          <p:nvPr>
+            <p:ph idx="1"/>
+          </p:nvPr>
+        </p:nvSpPr>
+        <p:spPr/>
+        <p:txBody>
+          <a:bodyPr/>
+          <a:lstStyle/>
+          <a:p>
+            <a:pPr eaLnBrk="1" hangingPunct="1"/>
+            <a:r>
+              <a:rPr lang="en-US">
                 <a:latin typeface="Perpetua" charset="0"/>
               </a:rPr>
-              <a:t>A modifying word or phrase in the wrong place</a:t>
-            </a:r>
-          </a:p>
-          <a:p>
-            <a:pPr eaLnBrk="1" hangingPunct="1">
-              <a:lnSpc>
-                <a:spcPct val="90000"/>
-              </a:lnSpc>
-            </a:pPr>
-            <a:endParaRPr lang="en-US" dirty="0">
+              <a:t>The dog was chasing the boy with the spiked collar.</a:t>
+            </a:r>
+          </a:p>
+          <a:p>
+            <a:pPr eaLnBrk="1" hangingPunct="1"/>
+            <a:endParaRPr lang="en-US">
               <a:latin typeface="Perpetua" charset="0"/>
             </a:endParaRPr>
           </a:p>
           <a:p>
-            <a:pPr eaLnBrk="1" hangingPunct="1">
-              <a:lnSpc>
-                <a:spcPct val="90000"/>
-              </a:lnSpc>
-            </a:pPr>
-            <a:r>
-              <a:rPr lang="en-US" dirty="0">
+            <a:pPr eaLnBrk="1" hangingPunct="1"/>
+            <a:r>
+              <a:rPr lang="en-US">
                 <a:latin typeface="Perpetua" charset="0"/>
               </a:rPr>
-              <a:t>In English, modifiers usually precede the noun they modify</a:t>
+              <a:t>The dog with the spiked collar was chasing the boy.</a:t>
             </a:r>
           </a:p>
           <a:p>
             <a:pPr eaLnBrk="1" hangingPunct="1">
-              <a:lnSpc>
-                <a:spcPct val="90000"/>
-              </a:lnSpc>
+              <a:buFont typeface="Wingdings 2" charset="0"/>
+              <a:buNone/>
             </a:pPr>
-            <a:endParaRPr lang="en-US" dirty="0">
+            <a:endParaRPr lang="en-US">
               <a:latin typeface="Perpetua" charset="0"/>
             </a:endParaRPr>
           </a:p>
-          <a:p>
-            <a:pPr eaLnBrk="1" hangingPunct="1">
-              <a:lnSpc>
-                <a:spcPct val="90000"/>
-              </a:lnSpc>
-            </a:pPr>
-            <a:r>
-              <a:rPr lang="en-US" dirty="0">
-                <a:latin typeface="Perpetua" charset="0"/>
-              </a:rPr>
-              <a:t>Textbook: p. </a:t>
-            </a:r>
-            <a:r>
-              <a:rPr lang="en-US" dirty="0" smtClean="0">
-                <a:latin typeface="Perpetua" charset="0"/>
-              </a:rPr>
-              <a:t>143-144</a:t>
-            </a:r>
-            <a:endParaRPr lang="en-US" dirty="0">
-              <a:latin typeface="Perpetua" charset="0"/>
-            </a:endParaRPr>
-          </a:p>
         </p:txBody>
       </p:sp>
     </p:spTree>
+    <p:extLst>
+      <p:ext uri="{BB962C8B-B14F-4D97-AF65-F5344CB8AC3E}">
+        <p14:creationId xmlns:p14="http://schemas.microsoft.com/office/powerpoint/2010/main" val="331607362"/>
+      </p:ext>
+    </p:extLst>
   </p:cSld>
   <p:clrMapOvr>
     <a:masterClrMapping/>
@@ -10933,9 +10734,9 @@
       </p:grpSpPr>
       <p:sp>
         <p:nvSpPr>
-          <p:cNvPr id="21505" name="Title 7"/>
-          <p:cNvSpPr>
-            <a:spLocks noGrp="1"/>
+          <p:cNvPr id="30721" name="Rectangle 2"/>
+          <p:cNvSpPr>
+            <a:spLocks noGrp="1" noChangeArrowheads="1"/>
           </p:cNvSpPr>
           <p:nvPr>
             <p:ph type="title"/>
@@ -10943,26 +10744,21 @@
         </p:nvSpPr>
         <p:spPr/>
         <p:txBody>
-          <a:bodyPr>
-            <a:normAutofit fontScale="90000"/>
-          </a:bodyPr>
+          <a:bodyPr/>
           <a:lstStyle/>
           <a:p>
             <a:pPr eaLnBrk="1" hangingPunct="1"/>
-            <a:r>
-              <a:rPr lang="en-US">
-                <a:latin typeface="Franklin Gothic Book" charset="0"/>
-              </a:rPr>
-              <a:t>Here are some basic examples</a:t>
-            </a:r>
-          </a:p>
-        </p:txBody>
-      </p:sp>
-      <p:sp>
-        <p:nvSpPr>
-          <p:cNvPr id="21506" name="Content Placeholder 8"/>
-          <p:cNvSpPr>
-            <a:spLocks noGrp="1"/>
+            <a:endParaRPr lang="en-US">
+              <a:latin typeface="Franklin Gothic Book" charset="0"/>
+            </a:endParaRPr>
+          </a:p>
+        </p:txBody>
+      </p:sp>
+      <p:sp>
+        <p:nvSpPr>
+          <p:cNvPr id="30722" name="Rectangle 3"/>
+          <p:cNvSpPr>
+            <a:spLocks noGrp="1" noChangeArrowheads="1"/>
           </p:cNvSpPr>
           <p:nvPr>
             <p:ph idx="1"/>
@@ -10978,84 +10774,32 @@
               <a:rPr lang="en-US">
                 <a:latin typeface="Perpetua" charset="0"/>
               </a:rPr>
-              <a:t>Billy ate a cold dish of cereal for breakfast.</a:t>
-            </a:r>
-          </a:p>
-          <a:p>
-            <a:pPr lvl="1" eaLnBrk="1" hangingPunct="1"/>
+              <a:t>I almost failed every art class I took.</a:t>
+            </a:r>
+          </a:p>
+          <a:p>
+            <a:pPr eaLnBrk="1" hangingPunct="1"/>
+            <a:endParaRPr lang="en-US">
+              <a:latin typeface="Perpetua" charset="0"/>
+            </a:endParaRPr>
+          </a:p>
+          <a:p>
+            <a:pPr eaLnBrk="1" hangingPunct="1"/>
             <a:r>
               <a:rPr lang="en-US">
                 <a:latin typeface="Perpetua" charset="0"/>
               </a:rPr>
-              <a:t>Which word is being modified?</a:t>
-            </a:r>
-          </a:p>
-          <a:p>
-            <a:pPr lvl="1" eaLnBrk="1" hangingPunct="1"/>
-            <a:r>
-              <a:rPr lang="en-US">
-                <a:latin typeface="Perpetua" charset="0"/>
-              </a:rPr>
-              <a:t>Which word should be modified?</a:t>
-            </a:r>
-          </a:p>
-          <a:p>
-            <a:pPr lvl="1" eaLnBrk="1" hangingPunct="1">
-              <a:buFont typeface="Wingdings 2" charset="0"/>
-              <a:buNone/>
-            </a:pPr>
-            <a:endParaRPr lang="en-US">
-              <a:latin typeface="Perpetua" charset="0"/>
-            </a:endParaRPr>
-          </a:p>
-          <a:p>
-            <a:pPr eaLnBrk="1" hangingPunct="1"/>
-            <a:r>
-              <a:rPr lang="en-US">
-                <a:latin typeface="Perpetua" charset="0"/>
-              </a:rPr>
-              <a:t>Only three tacos for $2.89!</a:t>
-            </a:r>
-          </a:p>
-          <a:p>
-            <a:pPr lvl="1" eaLnBrk="1" hangingPunct="1"/>
-            <a:r>
-              <a:rPr lang="en-US">
-                <a:latin typeface="Perpetua" charset="0"/>
-              </a:rPr>
-              <a:t>Which word is being modified?</a:t>
-            </a:r>
-          </a:p>
-          <a:p>
-            <a:pPr lvl="1" eaLnBrk="1" hangingPunct="1"/>
-            <a:r>
-              <a:rPr lang="en-US">
-                <a:latin typeface="Perpetua" charset="0"/>
-              </a:rPr>
-              <a:t>Which word should be modified?</a:t>
-            </a:r>
-          </a:p>
-          <a:p>
-            <a:pPr eaLnBrk="1" hangingPunct="1">
-              <a:buFont typeface="Wingdings 2" charset="0"/>
-              <a:buNone/>
-            </a:pPr>
-            <a:endParaRPr lang="en-US">
-              <a:latin typeface="Perpetua" charset="0"/>
-            </a:endParaRPr>
-          </a:p>
-          <a:p>
-            <a:pPr eaLnBrk="1" hangingPunct="1">
-              <a:buFont typeface="Wingdings 2" charset="0"/>
-              <a:buNone/>
-            </a:pPr>
-            <a:endParaRPr lang="en-US">
-              <a:latin typeface="Perpetua" charset="0"/>
-            </a:endParaRPr>
+              <a:t>I failed almost every art class I took.</a:t>
+            </a:r>
           </a:p>
         </p:txBody>
       </p:sp>
     </p:spTree>
+    <p:extLst>
+      <p:ext uri="{BB962C8B-B14F-4D97-AF65-F5344CB8AC3E}">
+        <p14:creationId xmlns:p14="http://schemas.microsoft.com/office/powerpoint/2010/main" val="1038099314"/>
+      </p:ext>
+    </p:extLst>
   </p:cSld>
   <p:clrMapOvr>
     <a:masterClrMapping/>
@@ -11082,7 +10826,7 @@
       </p:grpSpPr>
       <p:sp>
         <p:nvSpPr>
-          <p:cNvPr id="22529" name="Title 7"/>
+          <p:cNvPr id="2" name="Title 1"/>
           <p:cNvSpPr>
             <a:spLocks noGrp="1"/>
           </p:cNvSpPr>
@@ -11092,119 +10836,75 @@
         </p:nvSpPr>
         <p:spPr/>
         <p:txBody>
+          <a:bodyPr/>
+          <a:lstStyle/>
+          <a:p>
+            <a:r>
+              <a:rPr lang="en-US" dirty="0" smtClean="0"/>
+              <a:t>Dangling Modifiers</a:t>
+            </a:r>
+            <a:endParaRPr lang="en-US" dirty="0"/>
+          </a:p>
+        </p:txBody>
+      </p:sp>
+      <p:sp>
+        <p:nvSpPr>
+          <p:cNvPr id="3" name="Content Placeholder 2"/>
+          <p:cNvSpPr>
+            <a:spLocks noGrp="1"/>
+          </p:cNvSpPr>
+          <p:nvPr>
+            <p:ph idx="1"/>
+          </p:nvPr>
+        </p:nvSpPr>
+        <p:spPr/>
+        <p:txBody>
           <a:bodyPr>
-            <a:normAutofit fontScale="90000"/>
+            <a:normAutofit/>
           </a:bodyPr>
           <a:lstStyle/>
           <a:p>
-            <a:pPr eaLnBrk="1" hangingPunct="1"/>
-            <a:r>
-              <a:rPr lang="en-US">
-                <a:latin typeface="Franklin Gothic Book" charset="0"/>
-              </a:rPr>
-              <a:t>Do these revisions make more sense?</a:t>
-            </a:r>
-          </a:p>
-        </p:txBody>
-      </p:sp>
-      <p:sp>
-        <p:nvSpPr>
-          <p:cNvPr id="22530" name="Content Placeholder 8"/>
-          <p:cNvSpPr>
-            <a:spLocks noGrp="1"/>
-          </p:cNvSpPr>
-          <p:nvPr>
-            <p:ph idx="1"/>
-          </p:nvPr>
-        </p:nvSpPr>
-        <p:spPr/>
-        <p:txBody>
-          <a:bodyPr/>
-          <a:lstStyle/>
-          <a:p>
-            <a:pPr eaLnBrk="1" hangingPunct="1"/>
-            <a:r>
-              <a:rPr lang="en-US">
-                <a:latin typeface="Perpetua" charset="0"/>
-              </a:rPr>
-              <a:t>Billy ate a dish of cold cereal for breakfast.</a:t>
-            </a:r>
-          </a:p>
-          <a:p>
-            <a:pPr lvl="1" eaLnBrk="1" hangingPunct="1"/>
-            <a:r>
-              <a:rPr lang="en-US">
-                <a:latin typeface="Perpetua" charset="0"/>
-              </a:rPr>
-              <a:t>Which noun is being modified?</a:t>
-            </a:r>
-          </a:p>
-          <a:p>
-            <a:pPr lvl="1" eaLnBrk="1" hangingPunct="1"/>
-            <a:r>
-              <a:rPr lang="en-US">
-                <a:latin typeface="Perpetua" charset="0"/>
-              </a:rPr>
-              <a:t>Which noun should be modified?</a:t>
-            </a:r>
-          </a:p>
-          <a:p>
-            <a:pPr lvl="1" eaLnBrk="1" hangingPunct="1">
-              <a:buFont typeface="Wingdings 2" charset="0"/>
-              <a:buNone/>
-            </a:pPr>
-            <a:endParaRPr lang="en-US">
-              <a:latin typeface="Perpetua" charset="0"/>
-            </a:endParaRPr>
-          </a:p>
-          <a:p>
-            <a:pPr eaLnBrk="1" hangingPunct="1"/>
-            <a:r>
-              <a:rPr lang="en-US">
-                <a:latin typeface="Perpetua" charset="0"/>
-              </a:rPr>
-              <a:t>Three tacos for only $2.89!</a:t>
-            </a:r>
-          </a:p>
-          <a:p>
-            <a:pPr lvl="1" eaLnBrk="1" hangingPunct="1"/>
-            <a:r>
-              <a:rPr lang="en-US">
-                <a:latin typeface="Perpetua" charset="0"/>
-              </a:rPr>
-              <a:t>Which noun is being modified?</a:t>
-            </a:r>
-          </a:p>
-          <a:p>
-            <a:pPr lvl="1" eaLnBrk="1" hangingPunct="1"/>
-            <a:r>
-              <a:rPr lang="en-US">
-                <a:latin typeface="Perpetua" charset="0"/>
-              </a:rPr>
-              <a:t>Which noun should be modified?</a:t>
-            </a:r>
-          </a:p>
-          <a:p>
-            <a:pPr eaLnBrk="1" hangingPunct="1">
-              <a:buFont typeface="Wingdings 2" charset="0"/>
-              <a:buNone/>
-            </a:pPr>
-            <a:endParaRPr lang="en-US">
-              <a:latin typeface="Perpetua" charset="0"/>
-            </a:endParaRPr>
-          </a:p>
-          <a:p>
-            <a:pPr eaLnBrk="1" hangingPunct="1">
-              <a:buFont typeface="Wingdings 2" charset="0"/>
-              <a:buNone/>
-            </a:pPr>
-            <a:endParaRPr lang="en-US">
-              <a:latin typeface="Perpetua" charset="0"/>
-            </a:endParaRPr>
+            <a:r>
+              <a:rPr lang="en-US" dirty="0" smtClean="0"/>
+              <a:t>A modifying phrase that attaches to an NP that doesn’t appear in the sentence</a:t>
+            </a:r>
+          </a:p>
+          <a:p>
+            <a:r>
+              <a:rPr lang="en-US" dirty="0" smtClean="0"/>
+              <a:t>Often starts with –</a:t>
+            </a:r>
+            <a:r>
+              <a:rPr lang="en-US" dirty="0" err="1" smtClean="0"/>
+              <a:t>ing</a:t>
+            </a:r>
+            <a:r>
+              <a:rPr lang="en-US" dirty="0" smtClean="0"/>
+              <a:t> VP</a:t>
+            </a:r>
+          </a:p>
+          <a:p>
+            <a:pPr lvl="1"/>
+            <a:r>
+              <a:rPr lang="en-US" dirty="0" smtClean="0"/>
+              <a:t>Dangling: Running for the bus, my book fell in the mud. </a:t>
+            </a:r>
+          </a:p>
+          <a:p>
+            <a:pPr lvl="1"/>
+            <a:r>
+              <a:rPr lang="en-US" dirty="0" smtClean="0"/>
+              <a:t>Fixed: Running for the bus, I slipped and my book fell in the mud. </a:t>
+            </a:r>
           </a:p>
         </p:txBody>
       </p:sp>
     </p:spTree>
+    <p:extLst>
+      <p:ext uri="{BB962C8B-B14F-4D97-AF65-F5344CB8AC3E}">
+        <p14:creationId xmlns:p14="http://schemas.microsoft.com/office/powerpoint/2010/main" val="857915776"/>
+      </p:ext>
+    </p:extLst>
   </p:cSld>
   <p:clrMapOvr>
     <a:masterClrMapping/>
@@ -11231,9 +10931,9 @@
       </p:grpSpPr>
       <p:sp>
         <p:nvSpPr>
-          <p:cNvPr id="23553" name="Rectangle 2"/>
-          <p:cNvSpPr>
-            <a:spLocks noGrp="1" noChangeArrowheads="1"/>
+          <p:cNvPr id="2" name="Title 1"/>
+          <p:cNvSpPr>
+            <a:spLocks noGrp="1"/>
           </p:cNvSpPr>
           <p:nvPr>
             <p:ph type="title"/>
@@ -11244,21 +10944,19 @@
           <a:bodyPr/>
           <a:lstStyle/>
           <a:p>
-            <a:pPr eaLnBrk="1" hangingPunct="1"/>
-            <a:r>
-              <a:rPr lang="en-US">
-                <a:latin typeface="Franklin Gothic Book" charset="0"/>
-              </a:rPr>
-              <a:t>Generally…</a:t>
-            </a:r>
-          </a:p>
-        </p:txBody>
-      </p:sp>
-      <p:sp>
-        <p:nvSpPr>
-          <p:cNvPr id="23554" name="Rectangle 3"/>
-          <p:cNvSpPr>
-            <a:spLocks noGrp="1" noChangeArrowheads="1"/>
+            <a:r>
+              <a:rPr lang="en-US" dirty="0" smtClean="0"/>
+              <a:t>Race!</a:t>
+            </a:r>
+            <a:endParaRPr lang="en-US" dirty="0"/>
+          </a:p>
+        </p:txBody>
+      </p:sp>
+      <p:sp>
+        <p:nvSpPr>
+          <p:cNvPr id="3" name="Content Placeholder 2"/>
+          <p:cNvSpPr>
+            <a:spLocks noGrp="1"/>
           </p:cNvSpPr>
           <p:nvPr>
             <p:ph idx="1"/>
@@ -11266,47 +10964,82 @@
         </p:nvSpPr>
         <p:spPr/>
         <p:txBody>
-          <a:bodyPr/>
+          <a:bodyPr>
+            <a:normAutofit fontScale="70000" lnSpcReduction="20000"/>
+          </a:bodyPr>
           <a:lstStyle/>
           <a:p>
-            <a:pPr eaLnBrk="1" hangingPunct="1"/>
-            <a:r>
-              <a:rPr lang="en-US" dirty="0">
-                <a:latin typeface="Perpetua" charset="0"/>
-              </a:rPr>
-              <a:t>A misplaced modifier results in two possible meanings or a meaning the author </a:t>
-            </a:r>
-            <a:r>
-              <a:rPr lang="en-US" dirty="0" smtClean="0">
-                <a:latin typeface="Perpetua" charset="0"/>
-              </a:rPr>
-              <a:t>didn’</a:t>
-            </a:r>
-            <a:r>
-              <a:rPr lang="en-US" altLang="ja-JP" dirty="0" smtClean="0">
-                <a:latin typeface="Perpetua" charset="0"/>
-              </a:rPr>
-              <a:t>t </a:t>
-            </a:r>
-            <a:r>
-              <a:rPr lang="en-US" altLang="ja-JP" dirty="0">
-                <a:latin typeface="Perpetua" charset="0"/>
-              </a:rPr>
-              <a:t>intend</a:t>
-            </a:r>
-          </a:p>
-          <a:p>
-            <a:pPr eaLnBrk="1" hangingPunct="1">
-              <a:buFont typeface="Wingdings 2" charset="0"/>
+            <a:pPr marL="0" indent="0">
               <a:buNone/>
             </a:pPr>
-            <a:endParaRPr lang="en-US" dirty="0">
-              <a:latin typeface="Perpetua" charset="0"/>
-            </a:endParaRPr>
+            <a:r>
+              <a:rPr lang="en-US" dirty="0" smtClean="0"/>
+              <a:t>Identify the problem as a misplaced or dangling modifier. Fix the problem.</a:t>
+            </a:r>
+            <a:endParaRPr lang="en-US" dirty="0"/>
+          </a:p>
+          <a:p>
+            <a:pPr marL="457200" indent="-457200">
+              <a:buFont typeface="+mj-lt"/>
+              <a:buAutoNum type="arabicPeriod"/>
+            </a:pPr>
+            <a:r>
+              <a:rPr lang="en-US" dirty="0"/>
+              <a:t>On July 20, 1969, American astronauts Neil Armstrong and Edwin "Buzz" </a:t>
+            </a:r>
+            <a:r>
+              <a:rPr lang="en-US" dirty="0" err="1"/>
+              <a:t>Aldrin</a:t>
+            </a:r>
+            <a:r>
+              <a:rPr lang="en-US" dirty="0"/>
+              <a:t> landed on the moon, watched by nearly a fifth of the world's population. </a:t>
+            </a:r>
+            <a:endParaRPr lang="en-US" dirty="0" smtClean="0"/>
+          </a:p>
+          <a:p>
+            <a:pPr marL="457200" indent="-457200">
+              <a:buFont typeface="+mj-lt"/>
+              <a:buAutoNum type="arabicPeriod"/>
+            </a:pPr>
+            <a:r>
+              <a:rPr lang="en-US" dirty="0"/>
+              <a:t>After seeing the benefits of reduced employee turnover, absenteeism, and lateness, onsite daycare is being provided more frequently as a perk for working parents</a:t>
+            </a:r>
+            <a:r>
+              <a:rPr lang="en-US" dirty="0" smtClean="0"/>
+              <a:t>.</a:t>
+            </a:r>
+          </a:p>
+          <a:p>
+            <a:pPr marL="457200" indent="-457200">
+              <a:buFont typeface="+mj-lt"/>
+              <a:buAutoNum type="arabicPeriod"/>
+            </a:pPr>
+            <a:r>
+              <a:rPr lang="en-US" dirty="0"/>
+              <a:t>Cost-efficient and convenient, many of today's corporate employees are being trained through computer-assisted instruction. </a:t>
+            </a:r>
+            <a:endParaRPr lang="en-US" dirty="0" smtClean="0"/>
+          </a:p>
+          <a:p>
+            <a:pPr marL="457200" indent="-457200">
+              <a:buFont typeface="+mj-lt"/>
+              <a:buAutoNum type="arabicPeriod"/>
+            </a:pPr>
+            <a:r>
+              <a:rPr lang="en-US" dirty="0"/>
+              <a:t>Having submitted the conference registration form after the deadline, special permission by the chairperson was needed before she could give her presentation.</a:t>
+            </a:r>
           </a:p>
         </p:txBody>
       </p:sp>
     </p:spTree>
+    <p:extLst>
+      <p:ext uri="{BB962C8B-B14F-4D97-AF65-F5344CB8AC3E}">
+        <p14:creationId xmlns:p14="http://schemas.microsoft.com/office/powerpoint/2010/main" val="1344532426"/>
+      </p:ext>
+    </p:extLst>
   </p:cSld>
   <p:clrMapOvr>
     <a:masterClrMapping/>
@@ -11333,9 +11066,9 @@
       </p:grpSpPr>
       <p:sp>
         <p:nvSpPr>
-          <p:cNvPr id="24577" name="Rectangle 2"/>
-          <p:cNvSpPr>
-            <a:spLocks noGrp="1" noChangeArrowheads="1"/>
+          <p:cNvPr id="2" name="Title 1"/>
+          <p:cNvSpPr>
+            <a:spLocks noGrp="1"/>
           </p:cNvSpPr>
           <p:nvPr>
             <p:ph type="title"/>
@@ -11346,18 +11079,19 @@
           <a:bodyPr/>
           <a:lstStyle/>
           <a:p>
-            <a:pPr eaLnBrk="1" hangingPunct="1"/>
-            <a:endParaRPr lang="en-US">
-              <a:latin typeface="Franklin Gothic Book" charset="0"/>
-            </a:endParaRPr>
-          </a:p>
-        </p:txBody>
-      </p:sp>
-      <p:sp>
-        <p:nvSpPr>
-          <p:cNvPr id="24578" name="Rectangle 3"/>
-          <p:cNvSpPr>
-            <a:spLocks noGrp="1" noChangeArrowheads="1"/>
+            <a:r>
+              <a:rPr lang="en-US" dirty="0" smtClean="0"/>
+              <a:t>Subject-Verb Agreement</a:t>
+            </a:r>
+            <a:endParaRPr lang="en-US" dirty="0"/>
+          </a:p>
+        </p:txBody>
+      </p:sp>
+      <p:sp>
+        <p:nvSpPr>
+          <p:cNvPr id="3" name="Content Placeholder 2"/>
+          <p:cNvSpPr>
+            <a:spLocks noGrp="1"/>
           </p:cNvSpPr>
           <p:nvPr>
             <p:ph idx="1"/>
@@ -11368,17 +11102,46 @@
           <a:bodyPr/>
           <a:lstStyle/>
           <a:p>
-            <a:pPr eaLnBrk="1" hangingPunct="1"/>
-            <a:r>
-              <a:rPr lang="en-US" dirty="0">
-                <a:latin typeface="Perpetua" charset="0"/>
-              </a:rPr>
-              <a:t>The dog was chasing the boy with the spiked collar.</a:t>
-            </a:r>
+            <a:r>
+              <a:rPr lang="en-US" dirty="0" smtClean="0"/>
+              <a:t>Subjects and verbs must agree in number</a:t>
+            </a:r>
+          </a:p>
+          <a:p>
+            <a:r>
+              <a:rPr lang="en-US" dirty="0" smtClean="0"/>
+              <a:t>Singular subjects must be paired with singular verb forms</a:t>
+            </a:r>
+          </a:p>
+          <a:p>
+            <a:pPr lvl="1"/>
+            <a:r>
+              <a:rPr lang="en-US" dirty="0" smtClean="0"/>
+              <a:t>The chair of the universities decides on the final budget. </a:t>
+            </a:r>
+          </a:p>
+          <a:p>
+            <a:r>
+              <a:rPr lang="en-US" dirty="0" smtClean="0"/>
+              <a:t>Plural subjects must be paired with plural verb forms</a:t>
+            </a:r>
+          </a:p>
+          <a:p>
+            <a:pPr lvl="1"/>
+            <a:r>
+              <a:rPr lang="en-US" dirty="0" smtClean="0"/>
+              <a:t>The chairs who serve on the committee decide on the final budget.</a:t>
+            </a:r>
+            <a:endParaRPr lang="en-US" dirty="0"/>
           </a:p>
         </p:txBody>
       </p:sp>
     </p:spTree>
+    <p:extLst>
+      <p:ext uri="{BB962C8B-B14F-4D97-AF65-F5344CB8AC3E}">
+        <p14:creationId xmlns:p14="http://schemas.microsoft.com/office/powerpoint/2010/main" val="2261560613"/>
+      </p:ext>
+    </p:extLst>
   </p:cSld>
   <p:clrMapOvr>
     <a:masterClrMapping/>
@@ -11405,12 +11168,37 @@
       </p:grpSpPr>
       <p:sp>
         <p:nvSpPr>
-          <p:cNvPr id="26625" name="Rectangle 2"/>
-          <p:cNvSpPr>
-            <a:spLocks noGrp="1" noChangeArrowheads="1"/>
+          <p:cNvPr id="2" name="Title 1"/>
+          <p:cNvSpPr>
+            <a:spLocks noGrp="1"/>
           </p:cNvSpPr>
           <p:nvPr>
             <p:ph type="title"/>
+          </p:nvPr>
+        </p:nvSpPr>
+        <p:spPr/>
+        <p:txBody>
+          <a:bodyPr>
+            <a:normAutofit fontScale="90000"/>
+          </a:bodyPr>
+          <a:lstStyle/>
+          <a:p>
+            <a:r>
+              <a:rPr lang="en-US" dirty="0" smtClean="0"/>
+              <a:t>Subject-Verb Agreement Special Considerations</a:t>
+            </a:r>
+            <a:endParaRPr lang="en-US" dirty="0"/>
+          </a:p>
+        </p:txBody>
+      </p:sp>
+      <p:sp>
+        <p:nvSpPr>
+          <p:cNvPr id="3" name="Content Placeholder 2"/>
+          <p:cNvSpPr>
+            <a:spLocks noGrp="1"/>
+          </p:cNvSpPr>
+          <p:nvPr>
+            <p:ph idx="1"/>
           </p:nvPr>
         </p:nvSpPr>
         <p:spPr/>
@@ -11418,63 +11206,54 @@
           <a:bodyPr/>
           <a:lstStyle/>
           <a:p>
-            <a:pPr eaLnBrk="1" hangingPunct="1"/>
-            <a:endParaRPr lang="en-US">
-              <a:latin typeface="Franklin Gothic Book" charset="0"/>
-            </a:endParaRPr>
-          </a:p>
-        </p:txBody>
-      </p:sp>
-      <p:sp>
-        <p:nvSpPr>
-          <p:cNvPr id="26626" name="Rectangle 3"/>
-          <p:cNvSpPr>
-            <a:spLocks noGrp="1" noChangeArrowheads="1"/>
-          </p:cNvSpPr>
-          <p:nvPr>
-            <p:ph idx="1"/>
-          </p:nvPr>
-        </p:nvSpPr>
-        <p:spPr/>
-        <p:txBody>
-          <a:bodyPr/>
-          <a:lstStyle/>
-          <a:p>
-            <a:pPr eaLnBrk="1" hangingPunct="1"/>
-            <a:r>
-              <a:rPr lang="en-US">
-                <a:latin typeface="Perpetua" charset="0"/>
-              </a:rPr>
-              <a:t>The dog was chasing the boy with the spiked collar.</a:t>
-            </a:r>
-          </a:p>
-          <a:p>
-            <a:pPr eaLnBrk="1" hangingPunct="1"/>
-            <a:endParaRPr lang="en-US">
-              <a:latin typeface="Perpetua" charset="0"/>
-            </a:endParaRPr>
-          </a:p>
-          <a:p>
-            <a:pPr eaLnBrk="1" hangingPunct="1"/>
-            <a:r>
-              <a:rPr lang="en-US">
-                <a:latin typeface="Perpetua" charset="0"/>
-              </a:rPr>
-              <a:t>The dog with the spiked collar was chasing the boy.</a:t>
-            </a:r>
-          </a:p>
-          <a:p>
-            <a:pPr eaLnBrk="1" hangingPunct="1">
-              <a:buFont typeface="Wingdings 2" charset="0"/>
-              <a:buNone/>
-            </a:pPr>
-            <a:endParaRPr lang="en-US">
-              <a:latin typeface="Perpetua" charset="0"/>
-            </a:endParaRPr>
+            <a:r>
+              <a:rPr lang="en-US" dirty="0" smtClean="0"/>
+              <a:t>Collective nouns (can be treated as either singular or plural)</a:t>
+            </a:r>
+          </a:p>
+          <a:p>
+            <a:pPr lvl="1"/>
+            <a:r>
+              <a:rPr lang="en-US" dirty="0" smtClean="0"/>
+              <a:t>The committee decides on the budget. (Singular entity)</a:t>
+            </a:r>
+          </a:p>
+          <a:p>
+            <a:pPr lvl="1"/>
+            <a:r>
+              <a:rPr lang="en-US" dirty="0" smtClean="0"/>
+              <a:t>The faculty decide on their course schedules. (Collection of individuals)</a:t>
+            </a:r>
+          </a:p>
+          <a:p>
+            <a:r>
+              <a:rPr lang="en-US" dirty="0" smtClean="0"/>
+              <a:t>Expletive structures (There is/There are)- Use NP following the verb</a:t>
+            </a:r>
+          </a:p>
+          <a:p>
+            <a:pPr lvl="1"/>
+            <a:r>
+              <a:rPr lang="en-US" dirty="0" smtClean="0"/>
+              <a:t>There are twenty variables in the equation. </a:t>
+            </a:r>
+          </a:p>
+          <a:p>
+            <a:pPr lvl="1"/>
+            <a:r>
+              <a:rPr lang="en-US" dirty="0" smtClean="0"/>
+              <a:t>There is a variable in the equation.</a:t>
+            </a:r>
+            <a:endParaRPr lang="en-US" dirty="0"/>
           </a:p>
         </p:txBody>
       </p:sp>
     </p:spTree>
+    <p:extLst>
+      <p:ext uri="{BB962C8B-B14F-4D97-AF65-F5344CB8AC3E}">
+        <p14:creationId xmlns:p14="http://schemas.microsoft.com/office/powerpoint/2010/main" val="635406073"/>
+      </p:ext>
+    </p:extLst>
   </p:cSld>
   <p:clrMapOvr>
     <a:masterClrMapping/>
@@ -11501,9 +11280,9 @@
       </p:grpSpPr>
       <p:sp>
         <p:nvSpPr>
-          <p:cNvPr id="28673" name="Rectangle 2"/>
-          <p:cNvSpPr>
-            <a:spLocks noGrp="1" noChangeArrowheads="1"/>
+          <p:cNvPr id="2" name="Title 1"/>
+          <p:cNvSpPr>
+            <a:spLocks noGrp="1"/>
           </p:cNvSpPr>
           <p:nvPr>
             <p:ph type="title"/>
@@ -11514,18 +11293,19 @@
           <a:bodyPr/>
           <a:lstStyle/>
           <a:p>
-            <a:pPr eaLnBrk="1" hangingPunct="1"/>
-            <a:endParaRPr lang="en-US">
-              <a:latin typeface="Franklin Gothic Book" charset="0"/>
-            </a:endParaRPr>
-          </a:p>
-        </p:txBody>
-      </p:sp>
-      <p:sp>
-        <p:nvSpPr>
-          <p:cNvPr id="28674" name="Rectangle 3"/>
-          <p:cNvSpPr>
-            <a:spLocks noGrp="1" noChangeArrowheads="1"/>
+            <a:r>
+              <a:rPr lang="en-US" dirty="0" smtClean="0"/>
+              <a:t>Faulty Predication</a:t>
+            </a:r>
+            <a:endParaRPr lang="en-US" dirty="0"/>
+          </a:p>
+        </p:txBody>
+      </p:sp>
+      <p:sp>
+        <p:nvSpPr>
+          <p:cNvPr id="3" name="Content Placeholder 2"/>
+          <p:cNvSpPr>
+            <a:spLocks noGrp="1"/>
           </p:cNvSpPr>
           <p:nvPr>
             <p:ph idx="1"/>
@@ -11536,17 +11316,54 @@
           <a:bodyPr/>
           <a:lstStyle/>
           <a:p>
-            <a:pPr eaLnBrk="1" hangingPunct="1"/>
-            <a:r>
-              <a:rPr lang="en-US">
-                <a:latin typeface="Perpetua" charset="0"/>
-              </a:rPr>
-              <a:t>I almost failed every art class I took.</a:t>
+            <a:r>
+              <a:rPr lang="en-US" dirty="0" smtClean="0"/>
+              <a:t>Subjects and predicates must work together logically too</a:t>
+            </a:r>
+          </a:p>
+          <a:p>
+            <a:pPr lvl="1"/>
+            <a:r>
+              <a:rPr lang="en-US" dirty="0" smtClean="0"/>
+              <a:t>Faulty: A book I read believes that there is only one way to analyze the data.</a:t>
+            </a:r>
+          </a:p>
+          <a:p>
+            <a:pPr lvl="1"/>
+            <a:r>
+              <a:rPr lang="en-US" dirty="0" smtClean="0"/>
+              <a:t>Fixed: The author believes…</a:t>
+            </a:r>
+          </a:p>
+          <a:p>
+            <a:r>
+              <a:rPr lang="en-US" dirty="0" smtClean="0"/>
+              <a:t>Agents can still be non-human though</a:t>
+            </a:r>
+          </a:p>
+          <a:p>
+            <a:pPr lvl="1"/>
+            <a:r>
+              <a:rPr lang="en-US" dirty="0" smtClean="0"/>
+              <a:t>The study revealed that…</a:t>
+            </a:r>
+            <a:endParaRPr lang="en-US" dirty="0"/>
+          </a:p>
+          <a:p>
+            <a:pPr lvl="1"/>
+            <a:r>
+              <a:rPr lang="en-US" dirty="0" smtClean="0"/>
+              <a:t>The report explains…</a:t>
             </a:r>
           </a:p>
         </p:txBody>
       </p:sp>
     </p:spTree>
+    <p:extLst>
+      <p:ext uri="{BB962C8B-B14F-4D97-AF65-F5344CB8AC3E}">
+        <p14:creationId xmlns:p14="http://schemas.microsoft.com/office/powerpoint/2010/main" val="3395216845"/>
+      </p:ext>
+    </p:extLst>
   </p:cSld>
   <p:clrMapOvr>
     <a:masterClrMapping/>
@@ -11646,11 +11463,7 @@
             </a:r>
             <a:r>
               <a:rPr lang="en-US" dirty="0" smtClean="0"/>
-              <a:t> makes you healthy</a:t>
-            </a:r>
-            <a:r>
-              <a:rPr lang="en-US" dirty="0" smtClean="0"/>
-              <a:t>.</a:t>
+              <a:t> makes you healthy.</a:t>
             </a:r>
           </a:p>
           <a:p>
@@ -11703,12 +11516,37 @@
       </p:grpSpPr>
       <p:sp>
         <p:nvSpPr>
-          <p:cNvPr id="30721" name="Rectangle 2"/>
-          <p:cNvSpPr>
-            <a:spLocks noGrp="1" noChangeArrowheads="1"/>
+          <p:cNvPr id="2" name="Title 1"/>
+          <p:cNvSpPr>
+            <a:spLocks noGrp="1"/>
           </p:cNvSpPr>
           <p:nvPr>
             <p:ph type="title"/>
+          </p:nvPr>
+        </p:nvSpPr>
+        <p:spPr/>
+        <p:txBody>
+          <a:bodyPr>
+            <a:normAutofit fontScale="90000"/>
+          </a:bodyPr>
+          <a:lstStyle/>
+          <a:p>
+            <a:r>
+              <a:rPr lang="en-US" dirty="0" smtClean="0"/>
+              <a:t>Other common causes for faulty predication</a:t>
+            </a:r>
+            <a:endParaRPr lang="en-US" dirty="0"/>
+          </a:p>
+        </p:txBody>
+      </p:sp>
+      <p:sp>
+        <p:nvSpPr>
+          <p:cNvPr id="3" name="Content Placeholder 2"/>
+          <p:cNvSpPr>
+            <a:spLocks noGrp="1"/>
+          </p:cNvSpPr>
+          <p:nvPr>
+            <p:ph idx="1"/>
           </p:nvPr>
         </p:nvSpPr>
         <p:spPr/>
@@ -11716,54 +11554,47 @@
           <a:bodyPr/>
           <a:lstStyle/>
           <a:p>
-            <a:pPr eaLnBrk="1" hangingPunct="1"/>
-            <a:endParaRPr lang="en-US">
-              <a:latin typeface="Franklin Gothic Book" charset="0"/>
-            </a:endParaRPr>
-          </a:p>
-        </p:txBody>
-      </p:sp>
-      <p:sp>
-        <p:nvSpPr>
-          <p:cNvPr id="30722" name="Rectangle 3"/>
-          <p:cNvSpPr>
-            <a:spLocks noGrp="1" noChangeArrowheads="1"/>
-          </p:cNvSpPr>
-          <p:nvPr>
-            <p:ph idx="1"/>
-          </p:nvPr>
-        </p:nvSpPr>
-        <p:spPr/>
-        <p:txBody>
-          <a:bodyPr/>
-          <a:lstStyle/>
-          <a:p>
-            <a:pPr eaLnBrk="1" hangingPunct="1"/>
-            <a:r>
-              <a:rPr lang="en-US">
-                <a:latin typeface="Perpetua" charset="0"/>
-              </a:rPr>
-              <a:t>I almost failed every art class I took.</a:t>
-            </a:r>
-          </a:p>
-          <a:p>
-            <a:pPr eaLnBrk="1" hangingPunct="1"/>
-            <a:endParaRPr lang="en-US">
-              <a:latin typeface="Perpetua" charset="0"/>
-            </a:endParaRPr>
-          </a:p>
-          <a:p>
-            <a:pPr eaLnBrk="1" hangingPunct="1"/>
-            <a:r>
-              <a:rPr lang="en-US">
-                <a:latin typeface="Perpetua" charset="0"/>
-              </a:rPr>
-              <a:t>I failed almost every art class I took.</a:t>
-            </a:r>
+            <a:r>
+              <a:rPr lang="en-US" dirty="0" smtClean="0"/>
+              <a:t>Misuse of linking verbs or to be </a:t>
+            </a:r>
+          </a:p>
+          <a:p>
+            <a:pPr lvl="1"/>
+            <a:r>
+              <a:rPr lang="en-US" dirty="0" smtClean="0"/>
+              <a:t>Faulty: The use of SPSS is the best program for analyzing quantitative data. </a:t>
+            </a:r>
+          </a:p>
+          <a:p>
+            <a:pPr lvl="1"/>
+            <a:r>
+              <a:rPr lang="en-US" dirty="0" smtClean="0"/>
+              <a:t>Fixed: SPSS is </a:t>
+            </a:r>
+            <a:r>
+              <a:rPr lang="en-US" dirty="0"/>
+              <a:t>the best program for analyzing quantitative data. </a:t>
+            </a:r>
+          </a:p>
+          <a:p>
+            <a:pPr marL="350838" lvl="1" indent="0">
+              <a:buNone/>
+            </a:pPr>
+            <a:endParaRPr lang="en-US" dirty="0" smtClean="0"/>
+          </a:p>
+          <a:p>
+            <a:pPr lvl="1"/>
+            <a:endParaRPr lang="en-US" dirty="0" smtClean="0"/>
           </a:p>
         </p:txBody>
       </p:sp>
     </p:spTree>
+    <p:extLst>
+      <p:ext uri="{BB962C8B-B14F-4D97-AF65-F5344CB8AC3E}">
+        <p14:creationId xmlns:p14="http://schemas.microsoft.com/office/powerpoint/2010/main" val="3063100614"/>
+      </p:ext>
+    </p:extLst>
   </p:cSld>
   <p:clrMapOvr>
     <a:masterClrMapping/>
@@ -11800,65 +11631,95 @@
         </p:nvSpPr>
         <p:spPr/>
         <p:txBody>
+          <a:bodyPr>
+            <a:normAutofit fontScale="90000"/>
+          </a:bodyPr>
+          <a:lstStyle/>
+          <a:p>
+            <a:r>
+              <a:rPr lang="en-US" dirty="0" smtClean="0"/>
+              <a:t>Pronoun-Antecedent Agreement</a:t>
+            </a:r>
+            <a:endParaRPr lang="en-US" dirty="0"/>
+          </a:p>
+        </p:txBody>
+      </p:sp>
+      <p:sp>
+        <p:nvSpPr>
+          <p:cNvPr id="3" name="Content Placeholder 2"/>
+          <p:cNvSpPr>
+            <a:spLocks noGrp="1"/>
+          </p:cNvSpPr>
+          <p:nvPr>
+            <p:ph idx="1"/>
+          </p:nvPr>
+        </p:nvSpPr>
+        <p:spPr/>
+        <p:txBody>
           <a:bodyPr/>
           <a:lstStyle/>
           <a:p>
             <a:r>
               <a:rPr lang="en-US" dirty="0" smtClean="0"/>
-              <a:t>Dangling Modifiers</a:t>
-            </a:r>
-            <a:endParaRPr lang="en-US" dirty="0"/>
-          </a:p>
-        </p:txBody>
-      </p:sp>
-      <p:sp>
-        <p:nvSpPr>
-          <p:cNvPr id="3" name="Content Placeholder 2"/>
-          <p:cNvSpPr>
-            <a:spLocks noGrp="1"/>
-          </p:cNvSpPr>
-          <p:nvPr>
-            <p:ph idx="1"/>
-          </p:nvPr>
-        </p:nvSpPr>
-        <p:spPr/>
-        <p:txBody>
-          <a:bodyPr>
-            <a:normAutofit/>
-          </a:bodyPr>
-          <a:lstStyle/>
-          <a:p>
-            <a:r>
-              <a:rPr lang="en-US" dirty="0" smtClean="0"/>
-              <a:t>A modifying phrase that attaches to an NP that doesn’t appear in the sentence</a:t>
-            </a:r>
-          </a:p>
-          <a:p>
-            <a:r>
-              <a:rPr lang="en-US" dirty="0" smtClean="0"/>
-              <a:t>Often starts with –</a:t>
-            </a:r>
-            <a:r>
-              <a:rPr lang="en-US" dirty="0" err="1" smtClean="0"/>
-              <a:t>ing</a:t>
-            </a:r>
-            <a:r>
-              <a:rPr lang="en-US" dirty="0" smtClean="0"/>
-              <a:t> VP</a:t>
+              <a:t>Pro-forms substitute for whatever phrase they replace </a:t>
+            </a:r>
+          </a:p>
+          <a:p>
+            <a:r>
+              <a:rPr lang="en-US" dirty="0" smtClean="0"/>
+              <a:t>Singular pronouns should have singular antecedents</a:t>
             </a:r>
           </a:p>
           <a:p>
             <a:pPr lvl="1"/>
             <a:r>
               <a:rPr lang="en-US" dirty="0" smtClean="0"/>
-              <a:t>Dangling: Running for the bus, my book fell in the mud. </a:t>
+              <a:t>Every </a:t>
+            </a:r>
+            <a:r>
+              <a:rPr lang="en-US" u="sng" dirty="0" smtClean="0"/>
+              <a:t>student</a:t>
+            </a:r>
+            <a:r>
+              <a:rPr lang="en-US" dirty="0" smtClean="0"/>
+              <a:t> should complete </a:t>
+            </a:r>
+            <a:r>
+              <a:rPr lang="en-US" u="sng" dirty="0" smtClean="0"/>
+              <a:t>his or her </a:t>
+            </a:r>
+            <a:r>
+              <a:rPr lang="en-US" dirty="0" smtClean="0"/>
+              <a:t>report by Monday.</a:t>
+            </a:r>
+          </a:p>
+          <a:p>
+            <a:r>
+              <a:rPr lang="en-US" dirty="0" smtClean="0"/>
+              <a:t>Plural pronouns should have plural antecedents. </a:t>
             </a:r>
           </a:p>
           <a:p>
             <a:pPr lvl="1"/>
             <a:r>
               <a:rPr lang="en-US" dirty="0" smtClean="0"/>
-              <a:t>Fixed: Running for the bus, I slipped and my book fell in the mud. </a:t>
+              <a:t>All </a:t>
+            </a:r>
+            <a:r>
+              <a:rPr lang="en-US" u="sng" dirty="0" smtClean="0"/>
+              <a:t>students</a:t>
+            </a:r>
+            <a:r>
+              <a:rPr lang="en-US" dirty="0" smtClean="0"/>
+              <a:t> should complete </a:t>
+            </a:r>
+            <a:r>
+              <a:rPr lang="en-US" u="sng" dirty="0" smtClean="0"/>
+              <a:t>their</a:t>
+            </a:r>
+            <a:r>
+              <a:rPr lang="en-US" dirty="0" smtClean="0"/>
+              <a:t> reports by Monday.</a:t>
             </a:r>
           </a:p>
         </p:txBody>
@@ -11866,7 +11727,7 @@
     </p:spTree>
     <p:extLst>
       <p:ext uri="{BB962C8B-B14F-4D97-AF65-F5344CB8AC3E}">
-        <p14:creationId xmlns:p14="http://schemas.microsoft.com/office/powerpoint/2010/main" val="2504436607"/>
+        <p14:creationId xmlns:p14="http://schemas.microsoft.com/office/powerpoint/2010/main" val="839827554"/>
       </p:ext>
     </p:extLst>
   </p:cSld>
@@ -11910,7 +11771,7 @@
           <a:p>
             <a:r>
               <a:rPr lang="en-US" dirty="0" smtClean="0"/>
-              <a:t>Practice</a:t>
+              <a:t>Race!</a:t>
             </a:r>
             <a:endParaRPr lang="en-US" dirty="0"/>
           </a:p>
@@ -11928,9 +11789,7 @@
         </p:nvSpPr>
         <p:spPr/>
         <p:txBody>
-          <a:bodyPr>
-            <a:normAutofit fontScale="70000" lnSpcReduction="20000"/>
-          </a:bodyPr>
+          <a:bodyPr/>
           <a:lstStyle/>
           <a:p>
             <a:pPr marL="0" indent="0">
@@ -11938,9 +11797,8 @@
             </a:pPr>
             <a:r>
               <a:rPr lang="en-US" dirty="0" smtClean="0"/>
-              <a:t>Locate the misplaced or dangling modifier; Determine what it is modifying; Fix the problem</a:t>
-            </a:r>
-            <a:endParaRPr lang="en-US" dirty="0"/>
+              <a:t>Identify and fix the error:</a:t>
+            </a:r>
           </a:p>
           <a:p>
             <a:pPr marL="457200" indent="-457200">
@@ -11948,18 +11806,9 @@
               <a:buAutoNum type="arabicPeriod"/>
             </a:pPr>
             <a:r>
-              <a:rPr lang="en-US" dirty="0"/>
-              <a:t>On July 20, 1969, American astronauts Neil Armstrong and Edwin "Buzz" </a:t>
-            </a:r>
-            <a:r>
-              <a:rPr lang="en-US" dirty="0" err="1"/>
-              <a:t>Aldrin</a:t>
-            </a:r>
-            <a:r>
-              <a:rPr lang="en-US" dirty="0"/>
-              <a:t> landed on the moon, watched by nearly a fifth of the world's population. </a:t>
-            </a:r>
-            <a:endParaRPr lang="en-US" dirty="0" smtClean="0"/>
+              <a:rPr lang="en-US" dirty="0" smtClean="0"/>
+              <a:t>The players on the basketball team, who are mostly freshman and sophomores, tries hard to avoid a early game blowout. </a:t>
+            </a:r>
           </a:p>
           <a:p>
             <a:pPr marL="457200" indent="-457200">
@@ -11968,175 +11817,21 @@
             </a:pPr>
             <a:r>
               <a:rPr lang="en-US" dirty="0"/>
-              <a:t>After seeing the benefits of reduced employee turnover, absenteeism, and lateness, onsite daycare is being provided more frequently as a perk for working parents</a:t>
-            </a:r>
-            <a:r>
-              <a:rPr lang="en-US" dirty="0" smtClean="0"/>
-              <a:t>.</a:t>
-            </a:r>
-          </a:p>
-          <a:p>
-            <a:pPr marL="457200" indent="-457200">
-              <a:buFont typeface="+mj-lt"/>
-              <a:buAutoNum type="arabicPeriod"/>
+              <a:t>The purpose of the book persuades readers to get involved in community service.</a:t>
+            </a:r>
+          </a:p>
+          <a:p>
+            <a:pPr marL="0" indent="0">
+              <a:buNone/>
             </a:pPr>
-            <a:r>
-              <a:rPr lang="en-US" dirty="0"/>
-              <a:t>Cost-efficient and convenient, many of today's corporate employees are being trained through computer-assisted instruction. </a:t>
-            </a:r>
-            <a:endParaRPr lang="en-US" dirty="0" smtClean="0"/>
-          </a:p>
-          <a:p>
-            <a:pPr marL="457200" indent="-457200">
-              <a:buFont typeface="+mj-lt"/>
-              <a:buAutoNum type="arabicPeriod"/>
-            </a:pPr>
-            <a:r>
-              <a:rPr lang="en-US" dirty="0"/>
-              <a:t>Having submitted the conference registration form after the deadline, special permission by the chairperson was needed before she could give her presentation.</a:t>
-            </a:r>
+            <a:endParaRPr lang="en-US" dirty="0"/>
           </a:p>
         </p:txBody>
       </p:sp>
     </p:spTree>
     <p:extLst>
       <p:ext uri="{BB962C8B-B14F-4D97-AF65-F5344CB8AC3E}">
-        <p14:creationId xmlns:p14="http://schemas.microsoft.com/office/powerpoint/2010/main" val="3973900159"/>
-      </p:ext>
-    </p:extLst>
-  </p:cSld>
-  <p:clrMapOvr>
-    <a:masterClrMapping/>
-  </p:clrMapOvr>
-</p:sld>
-</file>
-
-<file path=ppt/slides/slide33.xml><?xml version="1.0" encoding="utf-8"?>
-<p:sld xmlns:a="http://schemas.openxmlformats.org/drawingml/2006/main" xmlns:r="http://schemas.openxmlformats.org/officeDocument/2006/relationships" xmlns:p="http://schemas.openxmlformats.org/presentationml/2006/main">
-  <p:cSld>
-    <p:spTree>
-      <p:nvGrpSpPr>
-        <p:cNvPr id="1" name=""/>
-        <p:cNvGrpSpPr/>
-        <p:nvPr/>
-      </p:nvGrpSpPr>
-      <p:grpSpPr>
-        <a:xfrm>
-          <a:off x="0" y="0"/>
-          <a:ext cx="0" cy="0"/>
-          <a:chOff x="0" y="0"/>
-          <a:chExt cx="0" cy="0"/>
-        </a:xfrm>
-      </p:grpSpPr>
-      <p:sp>
-        <p:nvSpPr>
-          <p:cNvPr id="2" name="Title 1"/>
-          <p:cNvSpPr>
-            <a:spLocks noGrp="1"/>
-          </p:cNvSpPr>
-          <p:nvPr>
-            <p:ph type="title"/>
-          </p:nvPr>
-        </p:nvSpPr>
-        <p:spPr/>
-        <p:txBody>
-          <a:bodyPr>
-            <a:normAutofit fontScale="90000"/>
-          </a:bodyPr>
-          <a:lstStyle/>
-          <a:p>
-            <a:r>
-              <a:rPr lang="en-US" dirty="0" smtClean="0"/>
-              <a:t>Pronoun-Antecedent Agreement</a:t>
-            </a:r>
-            <a:endParaRPr lang="en-US" dirty="0"/>
-          </a:p>
-        </p:txBody>
-      </p:sp>
-      <p:sp>
-        <p:nvSpPr>
-          <p:cNvPr id="3" name="Content Placeholder 2"/>
-          <p:cNvSpPr>
-            <a:spLocks noGrp="1"/>
-          </p:cNvSpPr>
-          <p:nvPr>
-            <p:ph idx="1"/>
-          </p:nvPr>
-        </p:nvSpPr>
-        <p:spPr/>
-        <p:txBody>
-          <a:bodyPr/>
-          <a:lstStyle/>
-          <a:p>
-            <a:r>
-              <a:rPr lang="en-US" dirty="0" smtClean="0"/>
-              <a:t>Pro-forms substitute for whatever phrase they replace </a:t>
-            </a:r>
-          </a:p>
-          <a:p>
-            <a:r>
-              <a:rPr lang="en-US" dirty="0" smtClean="0"/>
-              <a:t>Singular pronouns should have singular antecedents</a:t>
-            </a:r>
-          </a:p>
-          <a:p>
-            <a:pPr lvl="1"/>
-            <a:r>
-              <a:rPr lang="en-US" dirty="0" smtClean="0"/>
-              <a:t>Every </a:t>
-            </a:r>
-            <a:r>
-              <a:rPr lang="en-US" u="sng" dirty="0" smtClean="0"/>
-              <a:t>student</a:t>
-            </a:r>
-            <a:r>
-              <a:rPr lang="en-US" dirty="0" smtClean="0"/>
-              <a:t> should complete </a:t>
-            </a:r>
-            <a:r>
-              <a:rPr lang="en-US" u="sng" dirty="0" smtClean="0"/>
-              <a:t>his or her </a:t>
-            </a:r>
-            <a:r>
-              <a:rPr lang="en-US" dirty="0" smtClean="0"/>
-              <a:t>report by Monday.</a:t>
-            </a:r>
-          </a:p>
-          <a:p>
-            <a:r>
-              <a:rPr lang="en-US" dirty="0" smtClean="0"/>
-              <a:t>Plural pronouns should have plural antecedents. </a:t>
-            </a:r>
-          </a:p>
-          <a:p>
-            <a:pPr lvl="1"/>
-            <a:r>
-              <a:rPr lang="en-US" dirty="0" smtClean="0"/>
-              <a:t>All </a:t>
-            </a:r>
-            <a:r>
-              <a:rPr lang="en-US" u="sng" dirty="0" smtClean="0"/>
-              <a:t>students</a:t>
-            </a:r>
-            <a:r>
-              <a:rPr lang="en-US" dirty="0" smtClean="0"/>
-              <a:t> should complete </a:t>
-            </a:r>
-            <a:r>
-              <a:rPr lang="en-US" u="sng" dirty="0" smtClean="0"/>
-              <a:t>their</a:t>
-            </a:r>
-            <a:r>
-              <a:rPr lang="en-US" dirty="0" smtClean="0"/>
-              <a:t> reports by Monday.</a:t>
-            </a:r>
-          </a:p>
-        </p:txBody>
-      </p:sp>
-    </p:spTree>
-    <p:extLst>
-      <p:ext uri="{BB962C8B-B14F-4D97-AF65-F5344CB8AC3E}">
-        <p14:creationId xmlns:p14="http://schemas.microsoft.com/office/powerpoint/2010/main" val="839827554"/>
+        <p14:creationId xmlns:p14="http://schemas.microsoft.com/office/powerpoint/2010/main" val="1890397436"/>
       </p:ext>
     </p:extLst>
   </p:cSld>
@@ -13000,7 +12695,7 @@
           <a:p>
             <a:r>
               <a:rPr lang="en-US" dirty="0" smtClean="0"/>
-              <a:t>Practice!</a:t>
+              <a:t>Race!</a:t>
             </a:r>
             <a:endParaRPr lang="en-US" dirty="0"/>
           </a:p>
